--- a/docs/Py.pptx
+++ b/docs/Py.pptx
@@ -12,15 +12,18 @@
     <p:sldId id="259" r:id="rId6"/>
     <p:sldId id="260" r:id="rId7"/>
     <p:sldId id="261" r:id="rId8"/>
-    <p:sldId id="263" r:id="rId9"/>
-    <p:sldId id="264" r:id="rId10"/>
-    <p:sldId id="270" r:id="rId11"/>
-    <p:sldId id="265" r:id="rId12"/>
-    <p:sldId id="269" r:id="rId13"/>
-    <p:sldId id="268" r:id="rId14"/>
-    <p:sldId id="266" r:id="rId15"/>
-    <p:sldId id="267" r:id="rId16"/>
-    <p:sldId id="272" r:id="rId17"/>
+    <p:sldId id="273" r:id="rId9"/>
+    <p:sldId id="263" r:id="rId10"/>
+    <p:sldId id="264" r:id="rId11"/>
+    <p:sldId id="270" r:id="rId12"/>
+    <p:sldId id="274" r:id="rId13"/>
+    <p:sldId id="265" r:id="rId14"/>
+    <p:sldId id="269" r:id="rId15"/>
+    <p:sldId id="268" r:id="rId16"/>
+    <p:sldId id="266" r:id="rId17"/>
+    <p:sldId id="267" r:id="rId18"/>
+    <p:sldId id="275" r:id="rId19"/>
+    <p:sldId id="272" r:id="rId20"/>
   </p:sldIdLst>
   <p:sldSz cx="9144000" cy="6858000" type="screen4x3"/>
   <p:notesSz cx="6858000" cy="9144000"/>
@@ -3492,68 +3495,74 @@
           <a:lstStyle/>
           <a:p>
             <a:r>
+              <a:rPr lang="en-US" dirty="0" smtClean="0"/>
+              <a:t>SLR(1</a:t>
+            </a:r>
+            <a:r>
+              <a:rPr lang="en-US" dirty="0" smtClean="0"/>
+              <a:t>)</a:t>
+            </a:r>
+            <a:endParaRPr lang="en-US" dirty="0"/>
+          </a:p>
+        </p:txBody>
+      </p:sp>
+      <p:sp>
+        <p:nvSpPr>
+          <p:cNvPr id="3" name="Content Placeholder 2"/>
+          <p:cNvSpPr>
+            <a:spLocks noGrp="1"/>
+          </p:cNvSpPr>
+          <p:nvPr>
+            <p:ph idx="1"/>
+          </p:nvPr>
+        </p:nvSpPr>
+        <p:spPr/>
+        <p:txBody>
+          <a:bodyPr/>
+          <a:lstStyle/>
+          <a:p>
+            <a:r>
+              <a:rPr lang="en-US" dirty="0" smtClean="0"/>
+              <a:t>Simple LR</a:t>
+            </a:r>
+          </a:p>
+          <a:p>
+            <a:r>
+              <a:rPr lang="en-US" dirty="0" smtClean="0"/>
+              <a:t>LR – </a:t>
+            </a:r>
+            <a:r>
               <a:rPr lang="ru-RU" dirty="0" smtClean="0"/>
-              <a:t>Семантический анализ</a:t>
-            </a:r>
+              <a:t>просмотр </a:t>
+            </a:r>
+            <a:r>
+              <a:rPr lang="en-US" dirty="0" smtClean="0"/>
+              <a:t>“left-to-right”, “rightmost”</a:t>
+            </a:r>
+            <a:r>
+              <a:rPr lang="ru-RU" dirty="0" smtClean="0"/>
+              <a:t> вывод</a:t>
+            </a:r>
+            <a:endParaRPr lang="en-US" dirty="0" smtClean="0"/>
+          </a:p>
+          <a:p>
+            <a:r>
+              <a:rPr lang="ru-RU" dirty="0" smtClean="0"/>
+              <a:t>(1) – число просматриваемых символов для однозначного определения перехода</a:t>
+            </a:r>
+          </a:p>
+          <a:p>
+            <a:pPr marL="0" indent="0">
+              <a:buNone/>
+            </a:pPr>
             <a:endParaRPr lang="en-US" dirty="0"/>
-          </a:p>
-        </p:txBody>
-      </p:sp>
-      <p:sp>
-        <p:nvSpPr>
-          <p:cNvPr id="3" name="Content Placeholder 2"/>
-          <p:cNvSpPr>
-            <a:spLocks noGrp="1"/>
-          </p:cNvSpPr>
-          <p:nvPr>
-            <p:ph idx="1"/>
-          </p:nvPr>
-        </p:nvSpPr>
-        <p:spPr/>
-        <p:txBody>
-          <a:bodyPr/>
-          <a:lstStyle/>
-          <a:p>
-            <a:r>
-              <a:rPr lang="ru-RU" dirty="0" smtClean="0"/>
-              <a:t>Проверка типов</a:t>
-            </a:r>
-          </a:p>
-          <a:p>
-            <a:r>
-              <a:rPr lang="ru-RU" sz="5400" dirty="0" smtClean="0">
-                <a:solidFill>
-                  <a:srgbClr val="FF0000"/>
-                </a:solidFill>
-                <a:effectLst>
-                  <a:outerShdw blurRad="38100" dist="38100" dir="2700000" algn="tl">
-                    <a:srgbClr val="000000">
-                      <a:alpha val="43137"/>
-                    </a:srgbClr>
-                  </a:outerShdw>
-                </a:effectLst>
-              </a:rPr>
-              <a:t>ДОПИСАТЬ</a:t>
-            </a:r>
-            <a:endParaRPr lang="en-US" sz="5400" dirty="0">
-              <a:solidFill>
-                <a:srgbClr val="FF0000"/>
-              </a:solidFill>
-              <a:effectLst>
-                <a:outerShdw blurRad="38100" dist="38100" dir="2700000" algn="tl">
-                  <a:srgbClr val="000000">
-                    <a:alpha val="43137"/>
-                  </a:srgbClr>
-                </a:outerShdw>
-              </a:effectLst>
-            </a:endParaRPr>
           </a:p>
         </p:txBody>
       </p:sp>
     </p:spTree>
     <p:extLst>
       <p:ext uri="{BB962C8B-B14F-4D97-AF65-F5344CB8AC3E}">
-        <p14:creationId xmlns:p14="http://schemas.microsoft.com/office/powerpoint/2010/main" val="1239158306"/>
+        <p14:creationId xmlns:p14="http://schemas.microsoft.com/office/powerpoint/2010/main" val="2496925302"/>
       </p:ext>
     </p:extLst>
   </p:cSld>
@@ -3597,7 +3606,7 @@
           <a:p>
             <a:r>
               <a:rPr lang="ru-RU" dirty="0" smtClean="0"/>
-              <a:t>Генерация кода</a:t>
+              <a:t>Семантический анализ</a:t>
             </a:r>
             <a:endParaRPr lang="en-US" dirty="0"/>
           </a:p>
@@ -3620,87 +3629,42 @@
           <a:p>
             <a:r>
               <a:rPr lang="ru-RU" dirty="0" smtClean="0"/>
-              <a:t>Используется </a:t>
-            </a:r>
-            <a:r>
-              <a:rPr lang="en-US" dirty="0" smtClean="0"/>
-              <a:t>LLVM</a:t>
-            </a:r>
+              <a:t>Заполнение таблицы символов</a:t>
+            </a:r>
+            <a:endParaRPr lang="ru-RU" dirty="0" smtClean="0"/>
+          </a:p>
+          <a:p>
             <a:r>
               <a:rPr lang="ru-RU" dirty="0" smtClean="0"/>
-              <a:t> (</a:t>
-            </a:r>
-            <a:r>
-              <a:rPr lang="ru-RU" dirty="0" err="1" smtClean="0"/>
-              <a:t>Low</a:t>
-            </a:r>
+              <a:t>Проверка типов</a:t>
+            </a:r>
+            <a:endParaRPr lang="ru-RU" dirty="0"/>
+          </a:p>
+          <a:p>
             <a:r>
               <a:rPr lang="ru-RU" dirty="0" smtClean="0"/>
-              <a:t> </a:t>
-            </a:r>
-            <a:r>
-              <a:rPr lang="ru-RU" dirty="0" err="1"/>
-              <a:t>Level</a:t>
-            </a:r>
-            <a:r>
-              <a:rPr lang="ru-RU" dirty="0"/>
-              <a:t> </a:t>
-            </a:r>
-            <a:r>
-              <a:rPr lang="ru-RU" dirty="0" err="1"/>
-              <a:t>Virtual</a:t>
-            </a:r>
-            <a:r>
-              <a:rPr lang="ru-RU" dirty="0"/>
-              <a:t> </a:t>
-            </a:r>
-            <a:r>
-              <a:rPr lang="ru-RU" dirty="0" err="1" smtClean="0"/>
-              <a:t>Machine</a:t>
-            </a:r>
+              <a:t>Обнаружение недостижимых участков кода</a:t>
+            </a:r>
+          </a:p>
+          <a:p>
             <a:r>
               <a:rPr lang="ru-RU" dirty="0" smtClean="0"/>
-              <a:t>)</a:t>
-            </a:r>
-          </a:p>
-          <a:p>
-            <a:pPr lvl="1"/>
+              <a:t>Проверка, что все возможные пути выполнения имеют выход из функции</a:t>
+            </a:r>
+          </a:p>
+          <a:p>
             <a:r>
               <a:rPr lang="ru-RU" dirty="0" smtClean="0"/>
-              <a:t>Универсальная </a:t>
-            </a:r>
-            <a:r>
-              <a:rPr lang="ru-RU" dirty="0"/>
-              <a:t>система анализа, трансформации и </a:t>
-            </a:r>
-            <a:r>
-              <a:rPr lang="ru-RU" dirty="0" smtClean="0"/>
-              <a:t>оптимизации программ</a:t>
-            </a:r>
-            <a:endParaRPr lang="en-US" dirty="0" smtClean="0"/>
-          </a:p>
-          <a:p>
-            <a:pPr lvl="1"/>
-            <a:r>
-              <a:rPr lang="ru-RU" dirty="0"/>
-              <a:t>Р</a:t>
-            </a:r>
-            <a:r>
-              <a:rPr lang="ru-RU" dirty="0" smtClean="0"/>
-              <a:t>еализует </a:t>
-            </a:r>
-            <a:r>
-              <a:rPr lang="ru-RU" dirty="0"/>
-              <a:t>виртуальную машину с RISC-подобными инструкциями. </a:t>
-            </a:r>
-            <a:endParaRPr lang="en-US" dirty="0" smtClean="0"/>
+              <a:t>Обнаружение неиспользованных переменных и функций</a:t>
+            </a:r>
+            <a:endParaRPr lang="ru-RU" dirty="0" smtClean="0"/>
           </a:p>
         </p:txBody>
       </p:sp>
     </p:spTree>
     <p:extLst>
       <p:ext uri="{BB962C8B-B14F-4D97-AF65-F5344CB8AC3E}">
-        <p14:creationId xmlns:p14="http://schemas.microsoft.com/office/powerpoint/2010/main" val="1725815242"/>
+        <p14:creationId xmlns:p14="http://schemas.microsoft.com/office/powerpoint/2010/main" val="1239158306"/>
       </p:ext>
     </p:extLst>
   </p:cSld>
@@ -3744,35 +3708,65 @@
           <a:p>
             <a:r>
               <a:rPr lang="ru-RU" dirty="0" smtClean="0"/>
-              <a:t>Пример </a:t>
-            </a:r>
-            <a:r>
-              <a:rPr lang="ru-RU" dirty="0" err="1" smtClean="0"/>
-              <a:t>кодогенерации</a:t>
-            </a:r>
-            <a:endParaRPr lang="en-US" dirty="0"/>
-          </a:p>
-        </p:txBody>
-      </p:sp>
-      <p:sp>
-        <p:nvSpPr>
-          <p:cNvPr id="4" name="Content Placeholder 3"/>
-          <p:cNvSpPr>
-            <a:spLocks noGrp="1"/>
-          </p:cNvSpPr>
-          <p:nvPr>
-            <p:ph sz="half" idx="1"/>
+              <a:t>Таблица символов</a:t>
+            </a:r>
+            <a:endParaRPr lang="ru-RU" dirty="0"/>
+          </a:p>
+        </p:txBody>
+      </p:sp>
+      <p:sp>
+        <p:nvSpPr>
+          <p:cNvPr id="3" name="Content Placeholder 2"/>
+          <p:cNvSpPr>
+            <a:spLocks noGrp="1"/>
+          </p:cNvSpPr>
+          <p:nvPr>
+            <p:ph idx="1"/>
           </p:nvPr>
         </p:nvSpPr>
         <p:spPr/>
         <p:txBody>
-          <a:bodyPr>
-            <a:normAutofit/>
+          <a:bodyPr/>
+          <a:lstStyle/>
+          <a:p>
+            <a:r>
+              <a:rPr lang="ru-RU" dirty="0" smtClean="0"/>
+              <a:t>Поддерживает области видимости на 100%</a:t>
+            </a:r>
+          </a:p>
+          <a:p>
+            <a:r>
+              <a:rPr lang="ru-RU" dirty="0" smtClean="0"/>
+              <a:t>Организация: </a:t>
+            </a:r>
+            <a:endParaRPr lang="ru-RU" dirty="0"/>
+          </a:p>
+        </p:txBody>
+      </p:sp>
+      <p:sp>
+        <p:nvSpPr>
+          <p:cNvPr id="4" name="TextBox 3"/>
+          <p:cNvSpPr txBox="1"/>
+          <p:nvPr/>
+        </p:nvSpPr>
+        <p:spPr>
+          <a:xfrm>
+            <a:off x="755576" y="2348880"/>
+            <a:ext cx="7416824" cy="1200329"/>
+          </a:xfrm>
+          <a:prstGeom prst="rect">
+            <a:avLst/>
+          </a:prstGeom>
+          <a:noFill/>
+        </p:spPr>
+        <p:txBody>
+          <a:bodyPr wrap="square" rtlCol="0">
+            <a:spAutoFit/>
           </a:bodyPr>
           <a:lstStyle/>
           <a:p>
             <a:r>
-              <a:rPr lang="ru-RU" sz="4800" dirty="0" smtClean="0">
+              <a:rPr lang="ru-RU" sz="7200" dirty="0" smtClean="0">
                 <a:solidFill>
                   <a:srgbClr val="FF0000"/>
                 </a:solidFill>
@@ -3784,9 +3778,9 @@
                   </a:outerShdw>
                 </a:effectLst>
               </a:rPr>
-              <a:t>КОД НАШ</a:t>
-            </a:r>
-            <a:endParaRPr lang="en-US" sz="4800" dirty="0">
+              <a:t>ДИАГРАММА</a:t>
+            </a:r>
+            <a:endParaRPr lang="en-US" sz="7200" dirty="0">
               <a:solidFill>
                 <a:srgbClr val="FF0000"/>
               </a:solidFill>
@@ -3801,57 +3795,10 @@
           </a:p>
         </p:txBody>
       </p:sp>
-      <p:sp>
-        <p:nvSpPr>
-          <p:cNvPr id="5" name="Content Placeholder 4"/>
-          <p:cNvSpPr>
-            <a:spLocks noGrp="1"/>
-          </p:cNvSpPr>
-          <p:nvPr>
-            <p:ph sz="half" idx="2"/>
-          </p:nvPr>
-        </p:nvSpPr>
-        <p:spPr/>
-        <p:txBody>
-          <a:bodyPr>
-            <a:normAutofit/>
-          </a:bodyPr>
-          <a:lstStyle/>
-          <a:p>
-            <a:r>
-              <a:rPr lang="ru-RU" sz="4800" dirty="0" smtClean="0">
-                <a:solidFill>
-                  <a:srgbClr val="FF0000"/>
-                </a:solidFill>
-                <a:effectLst>
-                  <a:outerShdw blurRad="38100" dist="38100" dir="2700000" algn="tl">
-                    <a:srgbClr val="000000">
-                      <a:alpha val="43137"/>
-                    </a:srgbClr>
-                  </a:outerShdw>
-                </a:effectLst>
-              </a:rPr>
-              <a:t>КОД ЛЛВМ</a:t>
-            </a:r>
-            <a:endParaRPr lang="en-US" sz="4800" dirty="0">
-              <a:solidFill>
-                <a:srgbClr val="FF0000"/>
-              </a:solidFill>
-              <a:effectLst>
-                <a:outerShdw blurRad="38100" dist="38100" dir="2700000" algn="tl">
-                  <a:srgbClr val="000000">
-                    <a:alpha val="43137"/>
-                  </a:srgbClr>
-                </a:outerShdw>
-              </a:effectLst>
-            </a:endParaRPr>
-          </a:p>
-        </p:txBody>
-      </p:sp>
     </p:spTree>
     <p:extLst>
       <p:ext uri="{BB962C8B-B14F-4D97-AF65-F5344CB8AC3E}">
-        <p14:creationId xmlns:p14="http://schemas.microsoft.com/office/powerpoint/2010/main" val="3951376262"/>
+        <p14:creationId xmlns:p14="http://schemas.microsoft.com/office/powerpoint/2010/main" val="1521671028"/>
       </p:ext>
     </p:extLst>
   </p:cSld>
@@ -3895,7 +3842,7 @@
           <a:p>
             <a:r>
               <a:rPr lang="ru-RU" dirty="0" smtClean="0"/>
-              <a:t>Средства разработки</a:t>
+              <a:t>Генерация кода</a:t>
             </a:r>
             <a:endParaRPr lang="en-US" dirty="0"/>
           </a:p>
@@ -3917,32 +3864,88 @@
           <a:lstStyle/>
           <a:p>
             <a:r>
+              <a:rPr lang="ru-RU" dirty="0" smtClean="0"/>
+              <a:t>Используется </a:t>
+            </a:r>
+            <a:r>
               <a:rPr lang="en-US" dirty="0" smtClean="0"/>
-              <a:t>MS Visual Studio 2012</a:t>
-            </a:r>
-          </a:p>
-          <a:p>
-            <a:r>
-              <a:rPr lang="en-US" dirty="0" smtClean="0"/>
-              <a:t>Github.com</a:t>
-            </a:r>
-          </a:p>
-          <a:p>
-            <a:r>
-              <a:rPr lang="en-US" dirty="0" err="1" smtClean="0"/>
-              <a:t>llvm</a:t>
+              <a:t>LLVM</a:t>
+            </a:r>
+            <a:r>
+              <a:rPr lang="ru-RU" dirty="0" smtClean="0"/>
+              <a:t> (</a:t>
+            </a:r>
+            <a:r>
+              <a:rPr lang="ru-RU" dirty="0" err="1" smtClean="0"/>
+              <a:t>Low</a:t>
+            </a:r>
+            <a:r>
+              <a:rPr lang="ru-RU" dirty="0" smtClean="0"/>
+              <a:t> </a:t>
+            </a:r>
+            <a:r>
+              <a:rPr lang="ru-RU" dirty="0" err="1"/>
+              <a:t>Level</a:t>
+            </a:r>
+            <a:r>
+              <a:rPr lang="ru-RU" dirty="0"/>
+              <a:t> </a:t>
+            </a:r>
+            <a:r>
+              <a:rPr lang="ru-RU" dirty="0" err="1"/>
+              <a:t>Virtual</a:t>
+            </a:r>
+            <a:r>
+              <a:rPr lang="ru-RU" dirty="0"/>
+              <a:t> </a:t>
+            </a:r>
+            <a:r>
+              <a:rPr lang="ru-RU" dirty="0" err="1" smtClean="0"/>
+              <a:t>Machine</a:t>
+            </a:r>
+            <a:r>
+              <a:rPr lang="ru-RU" dirty="0" smtClean="0"/>
+              <a:t>)</a:t>
+            </a:r>
+          </a:p>
+          <a:p>
+            <a:pPr lvl="1"/>
+            <a:r>
+              <a:rPr lang="ru-RU" dirty="0" smtClean="0"/>
+              <a:t>Универсальная </a:t>
+            </a:r>
+            <a:r>
+              <a:rPr lang="ru-RU" dirty="0"/>
+              <a:t>система анализа, трансформации и </a:t>
+            </a:r>
+            <a:r>
+              <a:rPr lang="ru-RU" dirty="0" smtClean="0"/>
+              <a:t>оптимизации программ</a:t>
             </a:r>
             <a:endParaRPr lang="en-US" dirty="0" smtClean="0"/>
           </a:p>
           <a:p>
-            <a:endParaRPr lang="en-US" dirty="0"/>
+            <a:pPr lvl="1"/>
+            <a:r>
+              <a:rPr lang="ru-RU" dirty="0"/>
+              <a:t>Р</a:t>
+            </a:r>
+            <a:r>
+              <a:rPr lang="ru-RU" dirty="0" smtClean="0"/>
+              <a:t>еализует </a:t>
+            </a:r>
+            <a:r>
+              <a:rPr lang="ru-RU" dirty="0"/>
+              <a:t>виртуальную машину с RISC-подобными инструкциями. </a:t>
+            </a:r>
+            <a:endParaRPr lang="en-US" dirty="0" smtClean="0"/>
           </a:p>
         </p:txBody>
       </p:sp>
     </p:spTree>
     <p:extLst>
       <p:ext uri="{BB962C8B-B14F-4D97-AF65-F5344CB8AC3E}">
-        <p14:creationId xmlns:p14="http://schemas.microsoft.com/office/powerpoint/2010/main" val="288241711"/>
+        <p14:creationId xmlns:p14="http://schemas.microsoft.com/office/powerpoint/2010/main" val="1725815242"/>
       </p:ext>
     </p:extLst>
   </p:cSld>
@@ -3986,7 +3989,11 @@
           <a:p>
             <a:r>
               <a:rPr lang="ru-RU" dirty="0" smtClean="0"/>
-              <a:t>Реализованный функционал</a:t>
+              <a:t>Пример </a:t>
+            </a:r>
+            <a:r>
+              <a:rPr lang="ru-RU" dirty="0" err="1" smtClean="0"/>
+              <a:t>кодогенерации</a:t>
             </a:r>
             <a:endParaRPr lang="en-US" dirty="0"/>
           </a:p>
@@ -3994,113 +4001,176 @@
       </p:sp>
       <p:sp>
         <p:nvSpPr>
-          <p:cNvPr id="4" name="TextBox 3"/>
-          <p:cNvSpPr txBox="1"/>
-          <p:nvPr/>
-        </p:nvSpPr>
-        <p:spPr>
-          <a:xfrm rot="2825749">
-            <a:off x="7847855" y="6342006"/>
-            <a:ext cx="2592288" cy="1200329"/>
-          </a:xfrm>
-          <a:prstGeom prst="rect">
-            <a:avLst/>
-          </a:prstGeom>
-          <a:noFill/>
-        </p:spPr>
-        <p:txBody>
-          <a:bodyPr wrap="square" rtlCol="0">
-            <a:spAutoFit/>
+          <p:cNvPr id="4" name="Content Placeholder 3"/>
+          <p:cNvSpPr>
+            <a:spLocks noGrp="1"/>
+          </p:cNvSpPr>
+          <p:nvPr>
+            <p:ph sz="half" idx="1"/>
+          </p:nvPr>
+        </p:nvSpPr>
+        <p:spPr/>
+        <p:txBody>
+          <a:bodyPr>
+            <a:normAutofit fontScale="25000" lnSpcReduction="20000"/>
           </a:bodyPr>
           <a:lstStyle/>
           <a:p>
-            <a:r>
-              <a:rPr lang="ru-RU" sz="7200" dirty="0" smtClean="0"/>
-              <a:t>:)</a:t>
-            </a:r>
-            <a:endParaRPr lang="en-US" sz="7200" dirty="0"/>
-          </a:p>
-        </p:txBody>
-      </p:sp>
-      <p:sp>
-        <p:nvSpPr>
-          <p:cNvPr id="5" name="Content Placeholder 4"/>
-          <p:cNvSpPr txBox="1">
-            <a:spLocks noGrp="1"/>
-          </p:cNvSpPr>
-          <p:nvPr>
-            <p:ph idx="1"/>
-          </p:nvPr>
-        </p:nvSpPr>
-        <p:spPr>
-          <a:xfrm>
-            <a:off x="457200" y="1600200"/>
-            <a:ext cx="8229600" cy="3477875"/>
-          </a:xfrm>
-          <a:prstGeom prst="rect">
-            <a:avLst/>
-          </a:prstGeom>
-          <a:noFill/>
-        </p:spPr>
-        <p:txBody>
-          <a:bodyPr wrap="square" rtlCol="0">
-            <a:spAutoFit/>
-          </a:bodyPr>
-          <a:lstStyle/>
-          <a:p>
-            <a:r>
-              <a:rPr lang="ru-RU" sz="2800" dirty="0" smtClean="0"/>
-              <a:t>Целочисленный тип, операции над ним</a:t>
-            </a:r>
-          </a:p>
-          <a:p>
-            <a:r>
-              <a:rPr lang="ru-RU" sz="2800" dirty="0" smtClean="0"/>
-              <a:t>Логический тип, операции над ним</a:t>
-            </a:r>
-          </a:p>
-          <a:p>
-            <a:r>
-              <a:rPr lang="ru-RU" sz="2800" dirty="0" smtClean="0"/>
-              <a:t>Ветвление (</a:t>
-            </a:r>
-            <a:r>
-              <a:rPr lang="en-US" sz="2800" dirty="0" smtClean="0"/>
-              <a:t>if)</a:t>
-            </a:r>
-          </a:p>
-          <a:p>
-            <a:r>
-              <a:rPr lang="ru-RU" sz="2800" dirty="0" smtClean="0"/>
-              <a:t>Цикл (</a:t>
-            </a:r>
-            <a:r>
-              <a:rPr lang="en-US" sz="2800" dirty="0" smtClean="0"/>
-              <a:t>while)</a:t>
-            </a:r>
-          </a:p>
-          <a:p>
-            <a:r>
-              <a:rPr lang="ru-RU" sz="2800" dirty="0" smtClean="0"/>
-              <a:t>Массив (одномерный)</a:t>
-            </a:r>
-          </a:p>
-          <a:p>
-            <a:r>
-              <a:rPr lang="ru-RU" sz="4800" dirty="0" smtClean="0">
-                <a:solidFill>
-                  <a:srgbClr val="FF0000"/>
-                </a:solidFill>
-                <a:effectLst>
-                  <a:outerShdw blurRad="38100" dist="38100" dir="2700000" algn="tl">
-                    <a:srgbClr val="000000">
-                      <a:alpha val="43137"/>
-                    </a:srgbClr>
-                  </a:outerShdw>
-                </a:effectLst>
-              </a:rPr>
-              <a:t>ДОПИСАТЬ</a:t>
-            </a:r>
+            <a:pPr marL="0" indent="0">
+              <a:buNone/>
+            </a:pPr>
+            <a:r>
+              <a:rPr lang="en-US" sz="4800" dirty="0"/>
+              <a:t>class Program:  </a:t>
+            </a:r>
+          </a:p>
+          <a:p>
+            <a:pPr marL="0" indent="0">
+              <a:buNone/>
+            </a:pPr>
+            <a:r>
+              <a:rPr lang="en-US" sz="4800" dirty="0"/>
+              <a:t>    private </a:t>
+            </a:r>
+            <a:r>
+              <a:rPr lang="en-US" sz="4800" dirty="0" err="1"/>
+              <a:t>int</a:t>
+            </a:r>
+            <a:r>
+              <a:rPr lang="en-US" sz="4800" dirty="0"/>
+              <a:t> a</a:t>
+            </a:r>
+          </a:p>
+          <a:p>
+            <a:pPr marL="0" indent="0">
+              <a:buNone/>
+            </a:pPr>
+            <a:r>
+              <a:rPr lang="en-US" sz="4800" dirty="0"/>
+              <a:t>    private </a:t>
+            </a:r>
+            <a:r>
+              <a:rPr lang="en-US" sz="4800" dirty="0" err="1"/>
+              <a:t>int</a:t>
+            </a:r>
+            <a:r>
+              <a:rPr lang="en-US" sz="4800" dirty="0"/>
+              <a:t> b  </a:t>
+            </a:r>
+          </a:p>
+          <a:p>
+            <a:pPr marL="0" indent="0">
+              <a:buNone/>
+            </a:pPr>
+            <a:endParaRPr lang="ru-RU" sz="4800" dirty="0"/>
+          </a:p>
+          <a:p>
+            <a:pPr marL="0" indent="0">
+              <a:buNone/>
+            </a:pPr>
+            <a:r>
+              <a:rPr lang="en-US" sz="4800" dirty="0"/>
+              <a:t>    public static </a:t>
+            </a:r>
+            <a:r>
+              <a:rPr lang="en-US" sz="4800" dirty="0" err="1"/>
+              <a:t>int</a:t>
+            </a:r>
+            <a:r>
+              <a:rPr lang="en-US" sz="4800" dirty="0"/>
+              <a:t> Main():</a:t>
+            </a:r>
+          </a:p>
+          <a:p>
+            <a:pPr marL="0" indent="0">
+              <a:buNone/>
+            </a:pPr>
+            <a:r>
+              <a:rPr lang="en-US" sz="4800" dirty="0"/>
+              <a:t>        b = 14</a:t>
+            </a:r>
+            <a:r>
+              <a:rPr lang="ru-RU" sz="4800" dirty="0"/>
+              <a:t>   </a:t>
+            </a:r>
+          </a:p>
+          <a:p>
+            <a:pPr marL="0" indent="0">
+              <a:buNone/>
+            </a:pPr>
+            <a:r>
+              <a:rPr lang="en-US" sz="4800" dirty="0"/>
+              <a:t>        while ( a &lt; 2) :</a:t>
+            </a:r>
+          </a:p>
+          <a:p>
+            <a:pPr marL="0" indent="0">
+              <a:buNone/>
+            </a:pPr>
+            <a:r>
+              <a:rPr lang="en-US" sz="4800" dirty="0"/>
+              <a:t>            a = a + 1</a:t>
+            </a:r>
+          </a:p>
+          <a:p>
+            <a:pPr marL="0" indent="0">
+              <a:buNone/>
+            </a:pPr>
+            <a:r>
+              <a:rPr lang="en-US" sz="4800" dirty="0"/>
+              <a:t>            while (b &gt; 8</a:t>
+            </a:r>
+            <a:r>
+              <a:rPr lang="ru-RU" sz="4800" dirty="0"/>
+              <a:t>):</a:t>
+            </a:r>
+          </a:p>
+          <a:p>
+            <a:pPr marL="0" indent="0">
+              <a:buNone/>
+            </a:pPr>
+            <a:r>
+              <a:rPr lang="en-US" sz="4800" dirty="0"/>
+              <a:t>                </a:t>
+            </a:r>
+            <a:r>
+              <a:rPr lang="en-US" sz="4800" dirty="0" err="1"/>
+              <a:t>Console.WriteInt</a:t>
+            </a:r>
+            <a:r>
+              <a:rPr lang="en-US" sz="4800" dirty="0"/>
+              <a:t>(b)</a:t>
+            </a:r>
+          </a:p>
+          <a:p>
+            <a:pPr marL="0" indent="0">
+              <a:buNone/>
+            </a:pPr>
+            <a:r>
+              <a:rPr lang="en-US" sz="4800" dirty="0"/>
+              <a:t>                b = b - 1</a:t>
+            </a:r>
+            <a:endParaRPr lang="ru-RU" sz="4800" dirty="0"/>
+          </a:p>
+          <a:p>
+            <a:pPr marL="0" indent="0">
+              <a:buNone/>
+            </a:pPr>
+            <a:r>
+              <a:rPr lang="en-US" sz="4800" dirty="0"/>
+              <a:t>            b = 8   </a:t>
+            </a:r>
+          </a:p>
+          <a:p>
+            <a:pPr marL="0" indent="0">
+              <a:buNone/>
+            </a:pPr>
+            <a:r>
+              <a:rPr lang="en-US" sz="4800" dirty="0"/>
+              <a:t>        return 0  </a:t>
+            </a:r>
+          </a:p>
+          <a:p>
             <a:endParaRPr lang="en-US" sz="4800" dirty="0">
               <a:solidFill>
                 <a:srgbClr val="FF0000"/>
@@ -4116,10 +4186,1301 @@
           </a:p>
         </p:txBody>
       </p:sp>
+      <p:sp>
+        <p:nvSpPr>
+          <p:cNvPr id="5" name="Content Placeholder 4"/>
+          <p:cNvSpPr>
+            <a:spLocks noGrp="1"/>
+          </p:cNvSpPr>
+          <p:nvPr>
+            <p:ph sz="half" idx="2"/>
+          </p:nvPr>
+        </p:nvSpPr>
+        <p:spPr/>
+        <p:txBody>
+          <a:bodyPr>
+            <a:normAutofit fontScale="25000" lnSpcReduction="20000"/>
+          </a:bodyPr>
+          <a:lstStyle/>
+          <a:p>
+            <a:pPr marL="0" indent="0">
+              <a:buNone/>
+            </a:pPr>
+            <a:r>
+              <a:rPr lang="en-US" sz="4800" dirty="0">
+                <a:effectLst>
+                  <a:outerShdw blurRad="38100" dist="38100" dir="2700000" algn="tl">
+                    <a:srgbClr val="000000">
+                      <a:alpha val="43137"/>
+                    </a:srgbClr>
+                  </a:outerShdw>
+                </a:effectLst>
+              </a:rPr>
+              <a:t>@.</a:t>
+            </a:r>
+            <a:r>
+              <a:rPr lang="en-US" sz="4800" dirty="0" err="1">
+                <a:effectLst>
+                  <a:outerShdw blurRad="38100" dist="38100" dir="2700000" algn="tl">
+                    <a:srgbClr val="000000">
+                      <a:alpha val="43137"/>
+                    </a:srgbClr>
+                  </a:outerShdw>
+                </a:effectLst>
+              </a:rPr>
+              <a:t>str</a:t>
+            </a:r>
+            <a:r>
+              <a:rPr lang="en-US" sz="4800" dirty="0">
+                <a:effectLst>
+                  <a:outerShdw blurRad="38100" dist="38100" dir="2700000" algn="tl">
+                    <a:srgbClr val="000000">
+                      <a:alpha val="43137"/>
+                    </a:srgbClr>
+                  </a:outerShdw>
+                </a:effectLst>
+              </a:rPr>
+              <a:t> = internal constant [4 x i8] </a:t>
+            </a:r>
+            <a:r>
+              <a:rPr lang="en-US" sz="4800" dirty="0" err="1">
+                <a:effectLst>
+                  <a:outerShdw blurRad="38100" dist="38100" dir="2700000" algn="tl">
+                    <a:srgbClr val="000000">
+                      <a:alpha val="43137"/>
+                    </a:srgbClr>
+                  </a:outerShdw>
+                </a:effectLst>
+              </a:rPr>
+              <a:t>c"%d</a:t>
+            </a:r>
+            <a:r>
+              <a:rPr lang="en-US" sz="4800" dirty="0">
+                <a:effectLst>
+                  <a:outerShdw blurRad="38100" dist="38100" dir="2700000" algn="tl">
+                    <a:srgbClr val="000000">
+                      <a:alpha val="43137"/>
+                    </a:srgbClr>
+                  </a:outerShdw>
+                </a:effectLst>
+              </a:rPr>
+              <a:t>\0A\00"</a:t>
+            </a:r>
+          </a:p>
+          <a:p>
+            <a:pPr marL="0" indent="0">
+              <a:buNone/>
+            </a:pPr>
+            <a:r>
+              <a:rPr lang="en-US" sz="4800" dirty="0">
+                <a:effectLst>
+                  <a:outerShdw blurRad="38100" dist="38100" dir="2700000" algn="tl">
+                    <a:srgbClr val="000000">
+                      <a:alpha val="43137"/>
+                    </a:srgbClr>
+                  </a:outerShdw>
+                </a:effectLst>
+              </a:rPr>
+              <a:t>@.</a:t>
+            </a:r>
+            <a:r>
+              <a:rPr lang="en-US" sz="4800" dirty="0" err="1">
+                <a:effectLst>
+                  <a:outerShdw blurRad="38100" dist="38100" dir="2700000" algn="tl">
+                    <a:srgbClr val="000000">
+                      <a:alpha val="43137"/>
+                    </a:srgbClr>
+                  </a:outerShdw>
+                </a:effectLst>
+              </a:rPr>
+              <a:t>rstr</a:t>
+            </a:r>
+            <a:r>
+              <a:rPr lang="en-US" sz="4800" dirty="0">
+                <a:effectLst>
+                  <a:outerShdw blurRad="38100" dist="38100" dir="2700000" algn="tl">
+                    <a:srgbClr val="000000">
+                      <a:alpha val="43137"/>
+                    </a:srgbClr>
+                  </a:outerShdw>
+                </a:effectLst>
+              </a:rPr>
+              <a:t> = internal constant [3 x i8] </a:t>
+            </a:r>
+            <a:r>
+              <a:rPr lang="en-US" sz="4800" dirty="0" err="1">
+                <a:effectLst>
+                  <a:outerShdw blurRad="38100" dist="38100" dir="2700000" algn="tl">
+                    <a:srgbClr val="000000">
+                      <a:alpha val="43137"/>
+                    </a:srgbClr>
+                  </a:outerShdw>
+                </a:effectLst>
+              </a:rPr>
+              <a:t>c"%d</a:t>
+            </a:r>
+            <a:r>
+              <a:rPr lang="en-US" sz="4800" dirty="0">
+                <a:effectLst>
+                  <a:outerShdw blurRad="38100" dist="38100" dir="2700000" algn="tl">
+                    <a:srgbClr val="000000">
+                      <a:alpha val="43137"/>
+                    </a:srgbClr>
+                  </a:outerShdw>
+                </a:effectLst>
+              </a:rPr>
+              <a:t>\00"</a:t>
+            </a:r>
+          </a:p>
+          <a:p>
+            <a:pPr marL="0" indent="0">
+              <a:buNone/>
+            </a:pPr>
+            <a:r>
+              <a:rPr lang="en-US" sz="4800" dirty="0">
+                <a:effectLst>
+                  <a:outerShdw blurRad="38100" dist="38100" dir="2700000" algn="tl">
+                    <a:srgbClr val="000000">
+                      <a:alpha val="43137"/>
+                    </a:srgbClr>
+                  </a:outerShdw>
+                </a:effectLst>
+              </a:rPr>
+              <a:t>declare i32 @</a:t>
+            </a:r>
+            <a:r>
+              <a:rPr lang="en-US" sz="4800" dirty="0" err="1">
+                <a:effectLst>
+                  <a:outerShdw blurRad="38100" dist="38100" dir="2700000" algn="tl">
+                    <a:srgbClr val="000000">
+                      <a:alpha val="43137"/>
+                    </a:srgbClr>
+                  </a:outerShdw>
+                </a:effectLst>
+              </a:rPr>
+              <a:t>printf</a:t>
+            </a:r>
+            <a:r>
+              <a:rPr lang="en-US" sz="4800" dirty="0">
+                <a:effectLst>
+                  <a:outerShdw blurRad="38100" dist="38100" dir="2700000" algn="tl">
+                    <a:srgbClr val="000000">
+                      <a:alpha val="43137"/>
+                    </a:srgbClr>
+                  </a:outerShdw>
+                </a:effectLst>
+              </a:rPr>
+              <a:t>(i8 *, ...)</a:t>
+            </a:r>
+          </a:p>
+          <a:p>
+            <a:pPr marL="0" indent="0">
+              <a:buNone/>
+            </a:pPr>
+            <a:r>
+              <a:rPr lang="en-US" sz="4800" dirty="0">
+                <a:effectLst>
+                  <a:outerShdw blurRad="38100" dist="38100" dir="2700000" algn="tl">
+                    <a:srgbClr val="000000">
+                      <a:alpha val="43137"/>
+                    </a:srgbClr>
+                  </a:outerShdw>
+                </a:effectLst>
+              </a:rPr>
+              <a:t>declare i32 @</a:t>
+            </a:r>
+            <a:r>
+              <a:rPr lang="en-US" sz="4800" dirty="0" err="1">
+                <a:effectLst>
+                  <a:outerShdw blurRad="38100" dist="38100" dir="2700000" algn="tl">
+                    <a:srgbClr val="000000">
+                      <a:alpha val="43137"/>
+                    </a:srgbClr>
+                  </a:outerShdw>
+                </a:effectLst>
+              </a:rPr>
+              <a:t>scanf</a:t>
+            </a:r>
+            <a:r>
+              <a:rPr lang="en-US" sz="4800" dirty="0">
+                <a:effectLst>
+                  <a:outerShdw blurRad="38100" dist="38100" dir="2700000" algn="tl">
+                    <a:srgbClr val="000000">
+                      <a:alpha val="43137"/>
+                    </a:srgbClr>
+                  </a:outerShdw>
+                </a:effectLst>
+              </a:rPr>
+              <a:t>(i8*, ...)</a:t>
+            </a:r>
+          </a:p>
+          <a:p>
+            <a:pPr marL="0" indent="0">
+              <a:buNone/>
+            </a:pPr>
+            <a:r>
+              <a:rPr lang="en-US" sz="4800" dirty="0">
+                <a:effectLst>
+                  <a:outerShdw blurRad="38100" dist="38100" dir="2700000" algn="tl">
+                    <a:srgbClr val="000000">
+                      <a:alpha val="43137"/>
+                    </a:srgbClr>
+                  </a:outerShdw>
+                </a:effectLst>
+              </a:rPr>
+              <a:t>@a = private global i32 0</a:t>
+            </a:r>
+          </a:p>
+          <a:p>
+            <a:pPr marL="0" indent="0">
+              <a:buNone/>
+            </a:pPr>
+            <a:r>
+              <a:rPr lang="en-US" sz="4800" dirty="0">
+                <a:effectLst>
+                  <a:outerShdw blurRad="38100" dist="38100" dir="2700000" algn="tl">
+                    <a:srgbClr val="000000">
+                      <a:alpha val="43137"/>
+                    </a:srgbClr>
+                  </a:outerShdw>
+                </a:effectLst>
+              </a:rPr>
+              <a:t>@b = private global i32 0</a:t>
+            </a:r>
+          </a:p>
+          <a:p>
+            <a:pPr marL="0" indent="0">
+              <a:buNone/>
+            </a:pPr>
+            <a:r>
+              <a:rPr lang="en-US" sz="4800" dirty="0">
+                <a:effectLst>
+                  <a:outerShdw blurRad="38100" dist="38100" dir="2700000" algn="tl">
+                    <a:srgbClr val="000000">
+                      <a:alpha val="43137"/>
+                    </a:srgbClr>
+                  </a:outerShdw>
+                </a:effectLst>
+              </a:rPr>
+              <a:t>define i32 @main(){</a:t>
+            </a:r>
+          </a:p>
+          <a:p>
+            <a:pPr marL="0" indent="0">
+              <a:buNone/>
+            </a:pPr>
+            <a:r>
+              <a:rPr lang="en-US" sz="4800" dirty="0">
+                <a:effectLst>
+                  <a:outerShdw blurRad="38100" dist="38100" dir="2700000" algn="tl">
+                    <a:srgbClr val="000000">
+                      <a:alpha val="43137"/>
+                    </a:srgbClr>
+                  </a:outerShdw>
+                </a:effectLst>
+              </a:rPr>
+              <a:t>%1 = add  i32 0, 14</a:t>
+            </a:r>
+          </a:p>
+          <a:p>
+            <a:pPr marL="0" indent="0">
+              <a:buNone/>
+            </a:pPr>
+            <a:r>
+              <a:rPr lang="en-US" sz="4800" dirty="0">
+                <a:effectLst>
+                  <a:outerShdw blurRad="38100" dist="38100" dir="2700000" algn="tl">
+                    <a:srgbClr val="000000">
+                      <a:alpha val="43137"/>
+                    </a:srgbClr>
+                  </a:outerShdw>
+                </a:effectLst>
+              </a:rPr>
+              <a:t>store i32 %1, i32* @b</a:t>
+            </a:r>
+          </a:p>
+          <a:p>
+            <a:pPr marL="0" indent="0">
+              <a:buNone/>
+            </a:pPr>
+            <a:r>
+              <a:rPr lang="en-US" sz="4800" dirty="0" err="1">
+                <a:effectLst>
+                  <a:outerShdw blurRad="38100" dist="38100" dir="2700000" algn="tl">
+                    <a:srgbClr val="000000">
+                      <a:alpha val="43137"/>
+                    </a:srgbClr>
+                  </a:outerShdw>
+                </a:effectLst>
+              </a:rPr>
+              <a:t>br</a:t>
+            </a:r>
+            <a:r>
+              <a:rPr lang="en-US" sz="4800" dirty="0">
+                <a:effectLst>
+                  <a:outerShdw blurRad="38100" dist="38100" dir="2700000" algn="tl">
+                    <a:srgbClr val="000000">
+                      <a:alpha val="43137"/>
+                    </a:srgbClr>
+                  </a:outerShdw>
+                </a:effectLst>
+              </a:rPr>
+              <a:t> label %whilecond1</a:t>
+            </a:r>
+          </a:p>
+          <a:p>
+            <a:pPr marL="0" indent="0">
+              <a:buNone/>
+            </a:pPr>
+            <a:r>
+              <a:rPr lang="en-US" sz="4800" dirty="0">
+                <a:effectLst>
+                  <a:outerShdw blurRad="38100" dist="38100" dir="2700000" algn="tl">
+                    <a:srgbClr val="000000">
+                      <a:alpha val="43137"/>
+                    </a:srgbClr>
+                  </a:outerShdw>
+                </a:effectLst>
+              </a:rPr>
+              <a:t>whilestart1:</a:t>
+            </a:r>
+          </a:p>
+          <a:p>
+            <a:pPr marL="0" indent="0">
+              <a:buNone/>
+            </a:pPr>
+            <a:r>
+              <a:rPr lang="en-US" sz="4800" dirty="0">
+                <a:effectLst>
+                  <a:outerShdw blurRad="38100" dist="38100" dir="2700000" algn="tl">
+                    <a:srgbClr val="000000">
+                      <a:alpha val="43137"/>
+                    </a:srgbClr>
+                  </a:outerShdw>
+                </a:effectLst>
+              </a:rPr>
+              <a:t>%2 = load i32* @a</a:t>
+            </a:r>
+          </a:p>
+          <a:p>
+            <a:pPr marL="0" indent="0">
+              <a:buNone/>
+            </a:pPr>
+            <a:r>
+              <a:rPr lang="en-US" sz="4800" dirty="0">
+                <a:effectLst>
+                  <a:outerShdw blurRad="38100" dist="38100" dir="2700000" algn="tl">
+                    <a:srgbClr val="000000">
+                      <a:alpha val="43137"/>
+                    </a:srgbClr>
+                  </a:outerShdw>
+                </a:effectLst>
+              </a:rPr>
+              <a:t>%3 = add  i32 0, 1</a:t>
+            </a:r>
+          </a:p>
+          <a:p>
+            <a:pPr marL="0" indent="0">
+              <a:buNone/>
+            </a:pPr>
+            <a:r>
+              <a:rPr lang="en-US" sz="4800" dirty="0">
+                <a:effectLst>
+                  <a:outerShdw blurRad="38100" dist="38100" dir="2700000" algn="tl">
+                    <a:srgbClr val="000000">
+                      <a:alpha val="43137"/>
+                    </a:srgbClr>
+                  </a:outerShdw>
+                </a:effectLst>
+              </a:rPr>
+              <a:t>%4 = add i32 %2, %3</a:t>
+            </a:r>
+          </a:p>
+          <a:p>
+            <a:pPr marL="0" indent="0">
+              <a:buNone/>
+            </a:pPr>
+            <a:r>
+              <a:rPr lang="en-US" sz="4800" dirty="0">
+                <a:effectLst>
+                  <a:outerShdw blurRad="38100" dist="38100" dir="2700000" algn="tl">
+                    <a:srgbClr val="000000">
+                      <a:alpha val="43137"/>
+                    </a:srgbClr>
+                  </a:outerShdw>
+                </a:effectLst>
+              </a:rPr>
+              <a:t>store i32 %4, i32* @a</a:t>
+            </a:r>
+          </a:p>
+          <a:p>
+            <a:pPr marL="0" indent="0">
+              <a:buNone/>
+            </a:pPr>
+            <a:r>
+              <a:rPr lang="en-US" sz="4800" dirty="0" err="1">
+                <a:effectLst>
+                  <a:outerShdw blurRad="38100" dist="38100" dir="2700000" algn="tl">
+                    <a:srgbClr val="000000">
+                      <a:alpha val="43137"/>
+                    </a:srgbClr>
+                  </a:outerShdw>
+                </a:effectLst>
+              </a:rPr>
+              <a:t>br</a:t>
+            </a:r>
+            <a:r>
+              <a:rPr lang="en-US" sz="4800" dirty="0">
+                <a:effectLst>
+                  <a:outerShdw blurRad="38100" dist="38100" dir="2700000" algn="tl">
+                    <a:srgbClr val="000000">
+                      <a:alpha val="43137"/>
+                    </a:srgbClr>
+                  </a:outerShdw>
+                </a:effectLst>
+              </a:rPr>
+              <a:t> label %whilecond2</a:t>
+            </a:r>
+          </a:p>
+          <a:p>
+            <a:pPr marL="0" indent="0">
+              <a:buNone/>
+            </a:pPr>
+            <a:r>
+              <a:rPr lang="en-US" sz="4800" dirty="0">
+                <a:effectLst>
+                  <a:outerShdw blurRad="38100" dist="38100" dir="2700000" algn="tl">
+                    <a:srgbClr val="000000">
+                      <a:alpha val="43137"/>
+                    </a:srgbClr>
+                  </a:outerShdw>
+                </a:effectLst>
+              </a:rPr>
+              <a:t>whilestart2:</a:t>
+            </a:r>
+          </a:p>
+          <a:p>
+            <a:pPr marL="0" indent="0">
+              <a:buNone/>
+            </a:pPr>
+            <a:r>
+              <a:rPr lang="en-US" sz="4800" dirty="0">
+                <a:effectLst>
+                  <a:outerShdw blurRad="38100" dist="38100" dir="2700000" algn="tl">
+                    <a:srgbClr val="000000">
+                      <a:alpha val="43137"/>
+                    </a:srgbClr>
+                  </a:outerShdw>
+                </a:effectLst>
+              </a:rPr>
+              <a:t>%5 = load i32* @b</a:t>
+            </a:r>
+          </a:p>
+          <a:p>
+            <a:pPr marL="0" indent="0">
+              <a:buNone/>
+            </a:pPr>
+            <a:r>
+              <a:rPr lang="en-US" sz="4800" dirty="0">
+                <a:effectLst>
+                  <a:outerShdw blurRad="38100" dist="38100" dir="2700000" algn="tl">
+                    <a:srgbClr val="000000">
+                      <a:alpha val="43137"/>
+                    </a:srgbClr>
+                  </a:outerShdw>
+                </a:effectLst>
+              </a:rPr>
+              <a:t>%6= </a:t>
+            </a:r>
+            <a:r>
+              <a:rPr lang="en-US" sz="4800" dirty="0" err="1">
+                <a:effectLst>
+                  <a:outerShdw blurRad="38100" dist="38100" dir="2700000" algn="tl">
+                    <a:srgbClr val="000000">
+                      <a:alpha val="43137"/>
+                    </a:srgbClr>
+                  </a:outerShdw>
+                </a:effectLst>
+              </a:rPr>
+              <a:t>getelementptr</a:t>
+            </a:r>
+            <a:r>
+              <a:rPr lang="en-US" sz="4800" dirty="0">
+                <a:effectLst>
+                  <a:outerShdw blurRad="38100" dist="38100" dir="2700000" algn="tl">
+                    <a:srgbClr val="000000">
+                      <a:alpha val="43137"/>
+                    </a:srgbClr>
+                  </a:outerShdw>
+                </a:effectLst>
+              </a:rPr>
+              <a:t> [4 x i8]* @.</a:t>
+            </a:r>
+            <a:r>
+              <a:rPr lang="en-US" sz="4800" dirty="0" err="1">
+                <a:effectLst>
+                  <a:outerShdw blurRad="38100" dist="38100" dir="2700000" algn="tl">
+                    <a:srgbClr val="000000">
+                      <a:alpha val="43137"/>
+                    </a:srgbClr>
+                  </a:outerShdw>
+                </a:effectLst>
+              </a:rPr>
+              <a:t>str</a:t>
+            </a:r>
+            <a:r>
+              <a:rPr lang="en-US" sz="4800" dirty="0">
+                <a:effectLst>
+                  <a:outerShdw blurRad="38100" dist="38100" dir="2700000" algn="tl">
+                    <a:srgbClr val="000000">
+                      <a:alpha val="43137"/>
+                    </a:srgbClr>
+                  </a:outerShdw>
+                </a:effectLst>
+              </a:rPr>
+              <a:t>, i64 0, i64 0</a:t>
+            </a:r>
+          </a:p>
+          <a:p>
+            <a:pPr marL="0" indent="0">
+              <a:buNone/>
+            </a:pPr>
+            <a:r>
+              <a:rPr lang="en-US" sz="4800" dirty="0">
+                <a:effectLst>
+                  <a:outerShdw blurRad="38100" dist="38100" dir="2700000" algn="tl">
+                    <a:srgbClr val="000000">
+                      <a:alpha val="43137"/>
+                    </a:srgbClr>
+                  </a:outerShdw>
+                </a:effectLst>
+              </a:rPr>
+              <a:t>%7= call i32 (i8 *, ...)* @</a:t>
+            </a:r>
+            <a:r>
+              <a:rPr lang="en-US" sz="4800" dirty="0" err="1">
+                <a:effectLst>
+                  <a:outerShdw blurRad="38100" dist="38100" dir="2700000" algn="tl">
+                    <a:srgbClr val="000000">
+                      <a:alpha val="43137"/>
+                    </a:srgbClr>
+                  </a:outerShdw>
+                </a:effectLst>
+              </a:rPr>
+              <a:t>printf</a:t>
+            </a:r>
+            <a:r>
+              <a:rPr lang="en-US" sz="4800" dirty="0">
+                <a:effectLst>
+                  <a:outerShdw blurRad="38100" dist="38100" dir="2700000" algn="tl">
+                    <a:srgbClr val="000000">
+                      <a:alpha val="43137"/>
+                    </a:srgbClr>
+                  </a:outerShdw>
+                </a:effectLst>
+              </a:rPr>
+              <a:t>(i8* %6, i32 %5)</a:t>
+            </a:r>
+          </a:p>
+          <a:p>
+            <a:pPr marL="0" indent="0">
+              <a:buNone/>
+            </a:pPr>
+            <a:r>
+              <a:rPr lang="en-US" sz="4800" dirty="0">
+                <a:effectLst>
+                  <a:outerShdw blurRad="38100" dist="38100" dir="2700000" algn="tl">
+                    <a:srgbClr val="000000">
+                      <a:alpha val="43137"/>
+                    </a:srgbClr>
+                  </a:outerShdw>
+                </a:effectLst>
+              </a:rPr>
+              <a:t>%8 = load i32* @b</a:t>
+            </a:r>
+          </a:p>
+          <a:p>
+            <a:pPr marL="0" indent="0">
+              <a:buNone/>
+            </a:pPr>
+            <a:r>
+              <a:rPr lang="en-US" sz="4800" dirty="0">
+                <a:effectLst>
+                  <a:outerShdw blurRad="38100" dist="38100" dir="2700000" algn="tl">
+                    <a:srgbClr val="000000">
+                      <a:alpha val="43137"/>
+                    </a:srgbClr>
+                  </a:outerShdw>
+                </a:effectLst>
+              </a:rPr>
+              <a:t>%9 = add  i32 0, 1</a:t>
+            </a:r>
+          </a:p>
+          <a:p>
+            <a:pPr marL="0" indent="0">
+              <a:buNone/>
+            </a:pPr>
+            <a:r>
+              <a:rPr lang="en-US" sz="4800" dirty="0">
+                <a:effectLst>
+                  <a:outerShdw blurRad="38100" dist="38100" dir="2700000" algn="tl">
+                    <a:srgbClr val="000000">
+                      <a:alpha val="43137"/>
+                    </a:srgbClr>
+                  </a:outerShdw>
+                </a:effectLst>
+              </a:rPr>
+              <a:t>%10 = sub i32 %8, %9</a:t>
+            </a:r>
+          </a:p>
+          <a:p>
+            <a:pPr marL="0" indent="0">
+              <a:buNone/>
+            </a:pPr>
+            <a:r>
+              <a:rPr lang="en-US" sz="4800" dirty="0">
+                <a:effectLst>
+                  <a:outerShdw blurRad="38100" dist="38100" dir="2700000" algn="tl">
+                    <a:srgbClr val="000000">
+                      <a:alpha val="43137"/>
+                    </a:srgbClr>
+                  </a:outerShdw>
+                </a:effectLst>
+              </a:rPr>
+              <a:t>store i32 %10, i32* @b</a:t>
+            </a:r>
+          </a:p>
+          <a:p>
+            <a:pPr marL="0" indent="0">
+              <a:buNone/>
+            </a:pPr>
+            <a:r>
+              <a:rPr lang="en-US" sz="4800" dirty="0" err="1">
+                <a:effectLst>
+                  <a:outerShdw blurRad="38100" dist="38100" dir="2700000" algn="tl">
+                    <a:srgbClr val="000000">
+                      <a:alpha val="43137"/>
+                    </a:srgbClr>
+                  </a:outerShdw>
+                </a:effectLst>
+              </a:rPr>
+              <a:t>br</a:t>
+            </a:r>
+            <a:r>
+              <a:rPr lang="en-US" sz="4800" dirty="0">
+                <a:effectLst>
+                  <a:outerShdw blurRad="38100" dist="38100" dir="2700000" algn="tl">
+                    <a:srgbClr val="000000">
+                      <a:alpha val="43137"/>
+                    </a:srgbClr>
+                  </a:outerShdw>
+                </a:effectLst>
+              </a:rPr>
+              <a:t> label %whilecond2</a:t>
+            </a:r>
+          </a:p>
+          <a:p>
+            <a:pPr marL="0" indent="0">
+              <a:buNone/>
+            </a:pPr>
+            <a:r>
+              <a:rPr lang="en-US" sz="4800" dirty="0">
+                <a:effectLst>
+                  <a:outerShdw blurRad="38100" dist="38100" dir="2700000" algn="tl">
+                    <a:srgbClr val="000000">
+                      <a:alpha val="43137"/>
+                    </a:srgbClr>
+                  </a:outerShdw>
+                </a:effectLst>
+              </a:rPr>
+              <a:t>whilecond2:</a:t>
+            </a:r>
+          </a:p>
+          <a:p>
+            <a:pPr marL="0" indent="0">
+              <a:buNone/>
+            </a:pPr>
+            <a:r>
+              <a:rPr lang="en-US" sz="4800" dirty="0">
+                <a:effectLst>
+                  <a:outerShdw blurRad="38100" dist="38100" dir="2700000" algn="tl">
+                    <a:srgbClr val="000000">
+                      <a:alpha val="43137"/>
+                    </a:srgbClr>
+                  </a:outerShdw>
+                </a:effectLst>
+              </a:rPr>
+              <a:t>%11 = load i32* @b</a:t>
+            </a:r>
+          </a:p>
+          <a:p>
+            <a:pPr marL="0" indent="0">
+              <a:buNone/>
+            </a:pPr>
+            <a:r>
+              <a:rPr lang="en-US" sz="4800" dirty="0">
+                <a:effectLst>
+                  <a:outerShdw blurRad="38100" dist="38100" dir="2700000" algn="tl">
+                    <a:srgbClr val="000000">
+                      <a:alpha val="43137"/>
+                    </a:srgbClr>
+                  </a:outerShdw>
+                </a:effectLst>
+              </a:rPr>
+              <a:t>%12 = add  i32 0, 8</a:t>
+            </a:r>
+          </a:p>
+          <a:p>
+            <a:pPr marL="0" indent="0">
+              <a:buNone/>
+            </a:pPr>
+            <a:r>
+              <a:rPr lang="en-US" sz="4800" dirty="0">
+                <a:effectLst>
+                  <a:outerShdw blurRad="38100" dist="38100" dir="2700000" algn="tl">
+                    <a:srgbClr val="000000">
+                      <a:alpha val="43137"/>
+                    </a:srgbClr>
+                  </a:outerShdw>
+                </a:effectLst>
+              </a:rPr>
+              <a:t>%13 = </a:t>
+            </a:r>
+            <a:r>
+              <a:rPr lang="en-US" sz="4800" dirty="0" err="1">
+                <a:effectLst>
+                  <a:outerShdw blurRad="38100" dist="38100" dir="2700000" algn="tl">
+                    <a:srgbClr val="000000">
+                      <a:alpha val="43137"/>
+                    </a:srgbClr>
+                  </a:outerShdw>
+                </a:effectLst>
+              </a:rPr>
+              <a:t>icmp</a:t>
+            </a:r>
+            <a:r>
+              <a:rPr lang="en-US" sz="4800" dirty="0">
+                <a:effectLst>
+                  <a:outerShdw blurRad="38100" dist="38100" dir="2700000" algn="tl">
+                    <a:srgbClr val="000000">
+                      <a:alpha val="43137"/>
+                    </a:srgbClr>
+                  </a:outerShdw>
+                </a:effectLst>
+              </a:rPr>
+              <a:t> </a:t>
+            </a:r>
+            <a:r>
+              <a:rPr lang="en-US" sz="4800" dirty="0" err="1">
+                <a:effectLst>
+                  <a:outerShdw blurRad="38100" dist="38100" dir="2700000" algn="tl">
+                    <a:srgbClr val="000000">
+                      <a:alpha val="43137"/>
+                    </a:srgbClr>
+                  </a:outerShdw>
+                </a:effectLst>
+              </a:rPr>
+              <a:t>sgt</a:t>
+            </a:r>
+            <a:r>
+              <a:rPr lang="en-US" sz="4800" dirty="0">
+                <a:effectLst>
+                  <a:outerShdw blurRad="38100" dist="38100" dir="2700000" algn="tl">
+                    <a:srgbClr val="000000">
+                      <a:alpha val="43137"/>
+                    </a:srgbClr>
+                  </a:outerShdw>
+                </a:effectLst>
+              </a:rPr>
+              <a:t> i32 %11, %12</a:t>
+            </a:r>
+          </a:p>
+          <a:p>
+            <a:pPr marL="0" indent="0">
+              <a:buNone/>
+            </a:pPr>
+            <a:r>
+              <a:rPr lang="en-US" sz="4800" dirty="0">
+                <a:effectLst>
+                  <a:outerShdw blurRad="38100" dist="38100" dir="2700000" algn="tl">
+                    <a:srgbClr val="000000">
+                      <a:alpha val="43137"/>
+                    </a:srgbClr>
+                  </a:outerShdw>
+                </a:effectLst>
+              </a:rPr>
+              <a:t>%14= </a:t>
+            </a:r>
+            <a:r>
+              <a:rPr lang="en-US" sz="4800" dirty="0" err="1">
+                <a:effectLst>
+                  <a:outerShdw blurRad="38100" dist="38100" dir="2700000" algn="tl">
+                    <a:srgbClr val="000000">
+                      <a:alpha val="43137"/>
+                    </a:srgbClr>
+                  </a:outerShdw>
+                </a:effectLst>
+              </a:rPr>
+              <a:t>icmp</a:t>
+            </a:r>
+            <a:r>
+              <a:rPr lang="en-US" sz="4800" dirty="0">
+                <a:effectLst>
+                  <a:outerShdw blurRad="38100" dist="38100" dir="2700000" algn="tl">
+                    <a:srgbClr val="000000">
+                      <a:alpha val="43137"/>
+                    </a:srgbClr>
+                  </a:outerShdw>
+                </a:effectLst>
+              </a:rPr>
+              <a:t> </a:t>
+            </a:r>
+            <a:r>
+              <a:rPr lang="en-US" sz="4800" dirty="0" err="1">
+                <a:effectLst>
+                  <a:outerShdw blurRad="38100" dist="38100" dir="2700000" algn="tl">
+                    <a:srgbClr val="000000">
+                      <a:alpha val="43137"/>
+                    </a:srgbClr>
+                  </a:outerShdw>
+                </a:effectLst>
+              </a:rPr>
+              <a:t>eq</a:t>
+            </a:r>
+            <a:r>
+              <a:rPr lang="en-US" sz="4800" dirty="0">
+                <a:effectLst>
+                  <a:outerShdw blurRad="38100" dist="38100" dir="2700000" algn="tl">
+                    <a:srgbClr val="000000">
+                      <a:alpha val="43137"/>
+                    </a:srgbClr>
+                  </a:outerShdw>
+                </a:effectLst>
+              </a:rPr>
+              <a:t> i1 1, %13</a:t>
+            </a:r>
+          </a:p>
+          <a:p>
+            <a:pPr marL="0" indent="0">
+              <a:buNone/>
+            </a:pPr>
+            <a:r>
+              <a:rPr lang="en-US" sz="4800" dirty="0" err="1">
+                <a:effectLst>
+                  <a:outerShdw blurRad="38100" dist="38100" dir="2700000" algn="tl">
+                    <a:srgbClr val="000000">
+                      <a:alpha val="43137"/>
+                    </a:srgbClr>
+                  </a:outerShdw>
+                </a:effectLst>
+              </a:rPr>
+              <a:t>br</a:t>
+            </a:r>
+            <a:r>
+              <a:rPr lang="en-US" sz="4800" dirty="0">
+                <a:effectLst>
+                  <a:outerShdw blurRad="38100" dist="38100" dir="2700000" algn="tl">
+                    <a:srgbClr val="000000">
+                      <a:alpha val="43137"/>
+                    </a:srgbClr>
+                  </a:outerShdw>
+                </a:effectLst>
+              </a:rPr>
+              <a:t> i1 %14, label %whilestart2, label %endwhile2</a:t>
+            </a:r>
+          </a:p>
+          <a:p>
+            <a:pPr marL="0" indent="0">
+              <a:buNone/>
+            </a:pPr>
+            <a:r>
+              <a:rPr lang="en-US" sz="4800" dirty="0">
+                <a:effectLst>
+                  <a:outerShdw blurRad="38100" dist="38100" dir="2700000" algn="tl">
+                    <a:srgbClr val="000000">
+                      <a:alpha val="43137"/>
+                    </a:srgbClr>
+                  </a:outerShdw>
+                </a:effectLst>
+              </a:rPr>
+              <a:t>endwhile2:</a:t>
+            </a:r>
+          </a:p>
+          <a:p>
+            <a:pPr marL="0" indent="0">
+              <a:buNone/>
+            </a:pPr>
+            <a:r>
+              <a:rPr lang="en-US" sz="4800" dirty="0">
+                <a:effectLst>
+                  <a:outerShdw blurRad="38100" dist="38100" dir="2700000" algn="tl">
+                    <a:srgbClr val="000000">
+                      <a:alpha val="43137"/>
+                    </a:srgbClr>
+                  </a:outerShdw>
+                </a:effectLst>
+              </a:rPr>
+              <a:t>%15 = add  i32 0, 8</a:t>
+            </a:r>
+          </a:p>
+          <a:p>
+            <a:pPr marL="0" indent="0">
+              <a:buNone/>
+            </a:pPr>
+            <a:r>
+              <a:rPr lang="en-US" sz="4800" dirty="0">
+                <a:effectLst>
+                  <a:outerShdw blurRad="38100" dist="38100" dir="2700000" algn="tl">
+                    <a:srgbClr val="000000">
+                      <a:alpha val="43137"/>
+                    </a:srgbClr>
+                  </a:outerShdw>
+                </a:effectLst>
+              </a:rPr>
+              <a:t>store i32 %15, i32* @b</a:t>
+            </a:r>
+          </a:p>
+          <a:p>
+            <a:pPr marL="0" indent="0">
+              <a:buNone/>
+            </a:pPr>
+            <a:r>
+              <a:rPr lang="en-US" sz="4800" dirty="0" err="1">
+                <a:effectLst>
+                  <a:outerShdw blurRad="38100" dist="38100" dir="2700000" algn="tl">
+                    <a:srgbClr val="000000">
+                      <a:alpha val="43137"/>
+                    </a:srgbClr>
+                  </a:outerShdw>
+                </a:effectLst>
+              </a:rPr>
+              <a:t>br</a:t>
+            </a:r>
+            <a:r>
+              <a:rPr lang="en-US" sz="4800" dirty="0">
+                <a:effectLst>
+                  <a:outerShdw blurRad="38100" dist="38100" dir="2700000" algn="tl">
+                    <a:srgbClr val="000000">
+                      <a:alpha val="43137"/>
+                    </a:srgbClr>
+                  </a:outerShdw>
+                </a:effectLst>
+              </a:rPr>
+              <a:t> label %whilecond1</a:t>
+            </a:r>
+          </a:p>
+          <a:p>
+            <a:pPr marL="0" indent="0">
+              <a:buNone/>
+            </a:pPr>
+            <a:r>
+              <a:rPr lang="en-US" sz="4800" dirty="0">
+                <a:effectLst>
+                  <a:outerShdw blurRad="38100" dist="38100" dir="2700000" algn="tl">
+                    <a:srgbClr val="000000">
+                      <a:alpha val="43137"/>
+                    </a:srgbClr>
+                  </a:outerShdw>
+                </a:effectLst>
+              </a:rPr>
+              <a:t>whilecond1:</a:t>
+            </a:r>
+          </a:p>
+          <a:p>
+            <a:pPr marL="0" indent="0">
+              <a:buNone/>
+            </a:pPr>
+            <a:r>
+              <a:rPr lang="en-US" sz="4800" dirty="0">
+                <a:effectLst>
+                  <a:outerShdw blurRad="38100" dist="38100" dir="2700000" algn="tl">
+                    <a:srgbClr val="000000">
+                      <a:alpha val="43137"/>
+                    </a:srgbClr>
+                  </a:outerShdw>
+                </a:effectLst>
+              </a:rPr>
+              <a:t>%16 = load i32* @a</a:t>
+            </a:r>
+          </a:p>
+          <a:p>
+            <a:pPr marL="0" indent="0">
+              <a:buNone/>
+            </a:pPr>
+            <a:r>
+              <a:rPr lang="en-US" sz="4800" dirty="0">
+                <a:effectLst>
+                  <a:outerShdw blurRad="38100" dist="38100" dir="2700000" algn="tl">
+                    <a:srgbClr val="000000">
+                      <a:alpha val="43137"/>
+                    </a:srgbClr>
+                  </a:outerShdw>
+                </a:effectLst>
+              </a:rPr>
+              <a:t>%17 = add  i32 0, 2</a:t>
+            </a:r>
+          </a:p>
+          <a:p>
+            <a:pPr marL="0" indent="0">
+              <a:buNone/>
+            </a:pPr>
+            <a:r>
+              <a:rPr lang="en-US" sz="4800" dirty="0">
+                <a:effectLst>
+                  <a:outerShdw blurRad="38100" dist="38100" dir="2700000" algn="tl">
+                    <a:srgbClr val="000000">
+                      <a:alpha val="43137"/>
+                    </a:srgbClr>
+                  </a:outerShdw>
+                </a:effectLst>
+              </a:rPr>
+              <a:t>%18 = </a:t>
+            </a:r>
+            <a:r>
+              <a:rPr lang="en-US" sz="4800" dirty="0" err="1">
+                <a:effectLst>
+                  <a:outerShdw blurRad="38100" dist="38100" dir="2700000" algn="tl">
+                    <a:srgbClr val="000000">
+                      <a:alpha val="43137"/>
+                    </a:srgbClr>
+                  </a:outerShdw>
+                </a:effectLst>
+              </a:rPr>
+              <a:t>icmp</a:t>
+            </a:r>
+            <a:r>
+              <a:rPr lang="en-US" sz="4800" dirty="0">
+                <a:effectLst>
+                  <a:outerShdw blurRad="38100" dist="38100" dir="2700000" algn="tl">
+                    <a:srgbClr val="000000">
+                      <a:alpha val="43137"/>
+                    </a:srgbClr>
+                  </a:outerShdw>
+                </a:effectLst>
+              </a:rPr>
+              <a:t> </a:t>
+            </a:r>
+            <a:r>
+              <a:rPr lang="en-US" sz="4800" dirty="0" err="1">
+                <a:effectLst>
+                  <a:outerShdw blurRad="38100" dist="38100" dir="2700000" algn="tl">
+                    <a:srgbClr val="000000">
+                      <a:alpha val="43137"/>
+                    </a:srgbClr>
+                  </a:outerShdw>
+                </a:effectLst>
+              </a:rPr>
+              <a:t>slt</a:t>
+            </a:r>
+            <a:r>
+              <a:rPr lang="en-US" sz="4800" dirty="0">
+                <a:effectLst>
+                  <a:outerShdw blurRad="38100" dist="38100" dir="2700000" algn="tl">
+                    <a:srgbClr val="000000">
+                      <a:alpha val="43137"/>
+                    </a:srgbClr>
+                  </a:outerShdw>
+                </a:effectLst>
+              </a:rPr>
+              <a:t> i32 %16, %17</a:t>
+            </a:r>
+          </a:p>
+          <a:p>
+            <a:pPr marL="0" indent="0">
+              <a:buNone/>
+            </a:pPr>
+            <a:r>
+              <a:rPr lang="en-US" sz="4800" dirty="0">
+                <a:effectLst>
+                  <a:outerShdw blurRad="38100" dist="38100" dir="2700000" algn="tl">
+                    <a:srgbClr val="000000">
+                      <a:alpha val="43137"/>
+                    </a:srgbClr>
+                  </a:outerShdw>
+                </a:effectLst>
+              </a:rPr>
+              <a:t>%19= </a:t>
+            </a:r>
+            <a:r>
+              <a:rPr lang="en-US" sz="4800" dirty="0" err="1">
+                <a:effectLst>
+                  <a:outerShdw blurRad="38100" dist="38100" dir="2700000" algn="tl">
+                    <a:srgbClr val="000000">
+                      <a:alpha val="43137"/>
+                    </a:srgbClr>
+                  </a:outerShdw>
+                </a:effectLst>
+              </a:rPr>
+              <a:t>icmp</a:t>
+            </a:r>
+            <a:r>
+              <a:rPr lang="en-US" sz="4800" dirty="0">
+                <a:effectLst>
+                  <a:outerShdw blurRad="38100" dist="38100" dir="2700000" algn="tl">
+                    <a:srgbClr val="000000">
+                      <a:alpha val="43137"/>
+                    </a:srgbClr>
+                  </a:outerShdw>
+                </a:effectLst>
+              </a:rPr>
+              <a:t> </a:t>
+            </a:r>
+            <a:r>
+              <a:rPr lang="en-US" sz="4800" dirty="0" err="1">
+                <a:effectLst>
+                  <a:outerShdw blurRad="38100" dist="38100" dir="2700000" algn="tl">
+                    <a:srgbClr val="000000">
+                      <a:alpha val="43137"/>
+                    </a:srgbClr>
+                  </a:outerShdw>
+                </a:effectLst>
+              </a:rPr>
+              <a:t>eq</a:t>
+            </a:r>
+            <a:r>
+              <a:rPr lang="en-US" sz="4800" dirty="0">
+                <a:effectLst>
+                  <a:outerShdw blurRad="38100" dist="38100" dir="2700000" algn="tl">
+                    <a:srgbClr val="000000">
+                      <a:alpha val="43137"/>
+                    </a:srgbClr>
+                  </a:outerShdw>
+                </a:effectLst>
+              </a:rPr>
+              <a:t> i1 1, %18</a:t>
+            </a:r>
+          </a:p>
+          <a:p>
+            <a:pPr marL="0" indent="0">
+              <a:buNone/>
+            </a:pPr>
+            <a:r>
+              <a:rPr lang="en-US" sz="4800" dirty="0" err="1">
+                <a:effectLst>
+                  <a:outerShdw blurRad="38100" dist="38100" dir="2700000" algn="tl">
+                    <a:srgbClr val="000000">
+                      <a:alpha val="43137"/>
+                    </a:srgbClr>
+                  </a:outerShdw>
+                </a:effectLst>
+              </a:rPr>
+              <a:t>br</a:t>
+            </a:r>
+            <a:r>
+              <a:rPr lang="en-US" sz="4800" dirty="0">
+                <a:effectLst>
+                  <a:outerShdw blurRad="38100" dist="38100" dir="2700000" algn="tl">
+                    <a:srgbClr val="000000">
+                      <a:alpha val="43137"/>
+                    </a:srgbClr>
+                  </a:outerShdw>
+                </a:effectLst>
+              </a:rPr>
+              <a:t> i1 %19, label %whilestart1, label %endwhile1</a:t>
+            </a:r>
+          </a:p>
+          <a:p>
+            <a:pPr marL="0" indent="0">
+              <a:buNone/>
+            </a:pPr>
+            <a:r>
+              <a:rPr lang="en-US" sz="4800" dirty="0">
+                <a:effectLst>
+                  <a:outerShdw blurRad="38100" dist="38100" dir="2700000" algn="tl">
+                    <a:srgbClr val="000000">
+                      <a:alpha val="43137"/>
+                    </a:srgbClr>
+                  </a:outerShdw>
+                </a:effectLst>
+              </a:rPr>
+              <a:t>endwhile1:</a:t>
+            </a:r>
+          </a:p>
+          <a:p>
+            <a:pPr marL="0" indent="0">
+              <a:buNone/>
+            </a:pPr>
+            <a:r>
+              <a:rPr lang="en-US" sz="4800" dirty="0">
+                <a:effectLst>
+                  <a:outerShdw blurRad="38100" dist="38100" dir="2700000" algn="tl">
+                    <a:srgbClr val="000000">
+                      <a:alpha val="43137"/>
+                    </a:srgbClr>
+                  </a:outerShdw>
+                </a:effectLst>
+              </a:rPr>
+              <a:t>%20 = add  i32 0, 0</a:t>
+            </a:r>
+          </a:p>
+          <a:p>
+            <a:pPr marL="0" indent="0">
+              <a:buNone/>
+            </a:pPr>
+            <a:endParaRPr lang="en-US" sz="4800" dirty="0">
+              <a:effectLst>
+                <a:outerShdw blurRad="38100" dist="38100" dir="2700000" algn="tl">
+                  <a:srgbClr val="000000">
+                    <a:alpha val="43137"/>
+                  </a:srgbClr>
+                </a:outerShdw>
+              </a:effectLst>
+            </a:endParaRPr>
+          </a:p>
+          <a:p>
+            <a:pPr marL="0" indent="0">
+              <a:buNone/>
+            </a:pPr>
+            <a:r>
+              <a:rPr lang="en-US" sz="4800" dirty="0">
+                <a:effectLst>
+                  <a:outerShdw blurRad="38100" dist="38100" dir="2700000" algn="tl">
+                    <a:srgbClr val="000000">
+                      <a:alpha val="43137"/>
+                    </a:srgbClr>
+                  </a:outerShdw>
+                </a:effectLst>
+              </a:rPr>
+              <a:t>ret i32 %20</a:t>
+            </a:r>
+          </a:p>
+          <a:p>
+            <a:pPr marL="0" indent="0">
+              <a:buNone/>
+            </a:pPr>
+            <a:r>
+              <a:rPr lang="en-US" sz="4800" dirty="0">
+                <a:effectLst>
+                  <a:outerShdw blurRad="38100" dist="38100" dir="2700000" algn="tl">
+                    <a:srgbClr val="000000">
+                      <a:alpha val="43137"/>
+                    </a:srgbClr>
+                  </a:outerShdw>
+                </a:effectLst>
+              </a:rPr>
+              <a:t>}</a:t>
+            </a:r>
+          </a:p>
+          <a:p>
+            <a:pPr marL="0" indent="0">
+              <a:buNone/>
+            </a:pPr>
+            <a:endParaRPr lang="en-US" sz="4800" dirty="0">
+              <a:effectLst>
+                <a:outerShdw blurRad="38100" dist="38100" dir="2700000" algn="tl">
+                  <a:srgbClr val="000000">
+                    <a:alpha val="43137"/>
+                  </a:srgbClr>
+                </a:outerShdw>
+              </a:effectLst>
+            </a:endParaRPr>
+          </a:p>
+        </p:txBody>
+      </p:sp>
     </p:spTree>
     <p:extLst>
       <p:ext uri="{BB962C8B-B14F-4D97-AF65-F5344CB8AC3E}">
-        <p14:creationId xmlns:p14="http://schemas.microsoft.com/office/powerpoint/2010/main" val="1186602636"/>
+        <p14:creationId xmlns:p14="http://schemas.microsoft.com/office/powerpoint/2010/main" val="3951376262"/>
       </p:ext>
     </p:extLst>
   </p:cSld>
@@ -4163,7 +5524,98 @@
           <a:p>
             <a:r>
               <a:rPr lang="ru-RU" dirty="0" smtClean="0"/>
-              <a:t>Нереализованный функционал</a:t>
+              <a:t>Средства разработки</a:t>
+            </a:r>
+            <a:endParaRPr lang="en-US" dirty="0"/>
+          </a:p>
+        </p:txBody>
+      </p:sp>
+      <p:sp>
+        <p:nvSpPr>
+          <p:cNvPr id="3" name="Content Placeholder 2"/>
+          <p:cNvSpPr>
+            <a:spLocks noGrp="1"/>
+          </p:cNvSpPr>
+          <p:nvPr>
+            <p:ph idx="1"/>
+          </p:nvPr>
+        </p:nvSpPr>
+        <p:spPr/>
+        <p:txBody>
+          <a:bodyPr/>
+          <a:lstStyle/>
+          <a:p>
+            <a:r>
+              <a:rPr lang="en-US" dirty="0" smtClean="0"/>
+              <a:t>MS Visual Studio 2012</a:t>
+            </a:r>
+          </a:p>
+          <a:p>
+            <a:r>
+              <a:rPr lang="en-US" dirty="0" smtClean="0"/>
+              <a:t>Github.com</a:t>
+            </a:r>
+          </a:p>
+          <a:p>
+            <a:r>
+              <a:rPr lang="en-US" dirty="0" err="1" smtClean="0"/>
+              <a:t>llvm</a:t>
+            </a:r>
+            <a:endParaRPr lang="en-US" dirty="0" smtClean="0"/>
+          </a:p>
+          <a:p>
+            <a:endParaRPr lang="en-US" dirty="0"/>
+          </a:p>
+        </p:txBody>
+      </p:sp>
+    </p:spTree>
+    <p:extLst>
+      <p:ext uri="{BB962C8B-B14F-4D97-AF65-F5344CB8AC3E}">
+        <p14:creationId xmlns:p14="http://schemas.microsoft.com/office/powerpoint/2010/main" val="288241711"/>
+      </p:ext>
+    </p:extLst>
+  </p:cSld>
+  <p:clrMapOvr>
+    <a:masterClrMapping/>
+  </p:clrMapOvr>
+</p:sld>
+</file>
+
+<file path=ppt/slides/slide16.xml><?xml version="1.0" encoding="utf-8"?>
+<p:sld xmlns:a="http://schemas.openxmlformats.org/drawingml/2006/main" xmlns:r="http://schemas.openxmlformats.org/officeDocument/2006/relationships" xmlns:p="http://schemas.openxmlformats.org/presentationml/2006/main">
+  <p:cSld>
+    <p:spTree>
+      <p:nvGrpSpPr>
+        <p:cNvPr id="1" name=""/>
+        <p:cNvGrpSpPr/>
+        <p:nvPr/>
+      </p:nvGrpSpPr>
+      <p:grpSpPr>
+        <a:xfrm>
+          <a:off x="0" y="0"/>
+          <a:ext cx="0" cy="0"/>
+          <a:chOff x="0" y="0"/>
+          <a:chExt cx="0" cy="0"/>
+        </a:xfrm>
+      </p:grpSpPr>
+      <p:sp>
+        <p:nvSpPr>
+          <p:cNvPr id="2" name="Title 1"/>
+          <p:cNvSpPr>
+            <a:spLocks noGrp="1"/>
+          </p:cNvSpPr>
+          <p:nvPr>
+            <p:ph type="title"/>
+          </p:nvPr>
+        </p:nvSpPr>
+        <p:spPr/>
+        <p:txBody>
+          <a:bodyPr/>
+          <a:lstStyle/>
+          <a:p>
+            <a:r>
+              <a:rPr lang="ru-RU" dirty="0" smtClean="0"/>
+              <a:t>Реализованный функционал</a:t>
             </a:r>
             <a:endParaRPr lang="en-US" dirty="0"/>
           </a:p>
@@ -4193,7 +5645,7 @@
           <a:p>
             <a:r>
               <a:rPr lang="ru-RU" sz="7200" dirty="0" smtClean="0"/>
-              <a:t>:(</a:t>
+              <a:t>:)</a:t>
             </a:r>
             <a:endParaRPr lang="en-US" sz="7200" dirty="0"/>
           </a:p>
@@ -4201,18 +5653,86 @@
       </p:sp>
       <p:sp>
         <p:nvSpPr>
-          <p:cNvPr id="7" name="Content Placeholder 6"/>
-          <p:cNvSpPr txBox="1">
+          <p:cNvPr id="3" name="Content Placeholder 2"/>
+          <p:cNvSpPr>
             <a:spLocks noGrp="1"/>
           </p:cNvSpPr>
           <p:nvPr>
             <p:ph idx="1"/>
           </p:nvPr>
         </p:nvSpPr>
+        <p:spPr/>
+        <p:txBody>
+          <a:bodyPr/>
+          <a:lstStyle/>
+          <a:p>
+            <a:endParaRPr lang="ru-RU"/>
+          </a:p>
+        </p:txBody>
+      </p:sp>
+    </p:spTree>
+    <p:extLst>
+      <p:ext uri="{BB962C8B-B14F-4D97-AF65-F5344CB8AC3E}">
+        <p14:creationId xmlns:p14="http://schemas.microsoft.com/office/powerpoint/2010/main" val="1186602636"/>
+      </p:ext>
+    </p:extLst>
+  </p:cSld>
+  <p:clrMapOvr>
+    <a:masterClrMapping/>
+  </p:clrMapOvr>
+</p:sld>
+</file>
+
+<file path=ppt/slides/slide17.xml><?xml version="1.0" encoding="utf-8"?>
+<p:sld xmlns:a="http://schemas.openxmlformats.org/drawingml/2006/main" xmlns:r="http://schemas.openxmlformats.org/officeDocument/2006/relationships" xmlns:p="http://schemas.openxmlformats.org/presentationml/2006/main">
+  <p:cSld>
+    <p:spTree>
+      <p:nvGrpSpPr>
+        <p:cNvPr id="1" name=""/>
+        <p:cNvGrpSpPr/>
+        <p:nvPr/>
+      </p:nvGrpSpPr>
+      <p:grpSpPr>
+        <a:xfrm>
+          <a:off x="0" y="0"/>
+          <a:ext cx="0" cy="0"/>
+          <a:chOff x="0" y="0"/>
+          <a:chExt cx="0" cy="0"/>
+        </a:xfrm>
+      </p:grpSpPr>
+      <p:sp>
+        <p:nvSpPr>
+          <p:cNvPr id="2" name="Title 1"/>
+          <p:cNvSpPr>
+            <a:spLocks noGrp="1"/>
+          </p:cNvSpPr>
+          <p:nvPr>
+            <p:ph type="title"/>
+          </p:nvPr>
+        </p:nvSpPr>
+        <p:spPr/>
+        <p:txBody>
+          <a:bodyPr/>
+          <a:lstStyle/>
+          <a:p>
+            <a:r>
+              <a:rPr lang="ru-RU" dirty="0" smtClean="0"/>
+              <a:t>Нереализованный функционал</a:t>
+            </a:r>
+            <a:endParaRPr lang="en-US" dirty="0"/>
+          </a:p>
+        </p:txBody>
+      </p:sp>
+      <p:sp>
+        <p:nvSpPr>
+          <p:cNvPr id="4" name="TextBox 3"/>
+          <p:cNvSpPr txBox="1"/>
+          <p:nvPr/>
+        </p:nvSpPr>
         <p:spPr>
-          <a:xfrm>
-            <a:off x="457200" y="1600200"/>
-            <a:ext cx="8229600" cy="1200329"/>
+          <a:xfrm rot="2825749">
+            <a:off x="7847855" y="6342006"/>
+            <a:ext cx="2592288" cy="1200329"/>
           </a:xfrm>
           <a:prstGeom prst="rect">
             <a:avLst/>
@@ -4226,32 +5746,29 @@
           <a:lstStyle/>
           <a:p>
             <a:r>
-              <a:rPr lang="ru-RU" sz="7200" dirty="0" smtClean="0">
-                <a:solidFill>
-                  <a:srgbClr val="FF0000"/>
-                </a:solidFill>
-                <a:effectLst>
-                  <a:outerShdw blurRad="38100" dist="38100" dir="2700000" algn="tl">
-                    <a:srgbClr val="000000">
-                      <a:alpha val="43137"/>
-                    </a:srgbClr>
-                  </a:outerShdw>
-                </a:effectLst>
-              </a:rPr>
-              <a:t>НАПИСАТЬ</a:t>
-            </a:r>
-            <a:endParaRPr lang="en-US" sz="7200" dirty="0">
-              <a:solidFill>
-                <a:srgbClr val="FF0000"/>
-              </a:solidFill>
-              <a:effectLst>
-                <a:outerShdw blurRad="38100" dist="38100" dir="2700000" algn="tl">
-                  <a:srgbClr val="000000">
-                    <a:alpha val="43137"/>
-                  </a:srgbClr>
-                </a:outerShdw>
-              </a:effectLst>
-            </a:endParaRPr>
+              <a:rPr lang="ru-RU" sz="7200" dirty="0" smtClean="0"/>
+              <a:t>:(</a:t>
+            </a:r>
+            <a:endParaRPr lang="en-US" sz="7200" dirty="0"/>
+          </a:p>
+        </p:txBody>
+      </p:sp>
+      <p:sp>
+        <p:nvSpPr>
+          <p:cNvPr id="3" name="Content Placeholder 2"/>
+          <p:cNvSpPr>
+            <a:spLocks noGrp="1"/>
+          </p:cNvSpPr>
+          <p:nvPr>
+            <p:ph idx="1"/>
+          </p:nvPr>
+        </p:nvSpPr>
+        <p:spPr/>
+        <p:txBody>
+          <a:bodyPr/>
+          <a:lstStyle/>
+          <a:p>
+            <a:endParaRPr lang="ru-RU"/>
           </a:p>
         </p:txBody>
       </p:sp>
@@ -4268,7 +5785,164 @@
 </p:sld>
 </file>
 
-<file path=ppt/slides/slide16.xml><?xml version="1.0" encoding="utf-8"?>
+<file path=ppt/slides/slide18.xml><?xml version="1.0" encoding="utf-8"?>
+<p:sld xmlns:a="http://schemas.openxmlformats.org/drawingml/2006/main" xmlns:r="http://schemas.openxmlformats.org/officeDocument/2006/relationships" xmlns:p="http://schemas.openxmlformats.org/presentationml/2006/main">
+  <p:cSld>
+    <p:spTree>
+      <p:nvGrpSpPr>
+        <p:cNvPr id="1" name=""/>
+        <p:cNvGrpSpPr/>
+        <p:nvPr/>
+      </p:nvGrpSpPr>
+      <p:grpSpPr>
+        <a:xfrm>
+          <a:off x="0" y="0"/>
+          <a:ext cx="0" cy="0"/>
+          <a:chOff x="0" y="0"/>
+          <a:chExt cx="0" cy="0"/>
+        </a:xfrm>
+      </p:grpSpPr>
+      <p:sp>
+        <p:nvSpPr>
+          <p:cNvPr id="2" name="Title 1"/>
+          <p:cNvSpPr>
+            <a:spLocks noGrp="1"/>
+          </p:cNvSpPr>
+          <p:nvPr>
+            <p:ph type="title"/>
+          </p:nvPr>
+        </p:nvSpPr>
+        <p:spPr/>
+        <p:txBody>
+          <a:bodyPr/>
+          <a:lstStyle/>
+          <a:p>
+            <a:r>
+              <a:rPr lang="ru-RU" dirty="0" smtClean="0"/>
+              <a:t>Немного статистики</a:t>
+            </a:r>
+            <a:endParaRPr lang="ru-RU" dirty="0"/>
+          </a:p>
+        </p:txBody>
+      </p:sp>
+      <p:sp>
+        <p:nvSpPr>
+          <p:cNvPr id="3" name="Content Placeholder 2"/>
+          <p:cNvSpPr>
+            <a:spLocks noGrp="1"/>
+          </p:cNvSpPr>
+          <p:nvPr>
+            <p:ph idx="1"/>
+          </p:nvPr>
+        </p:nvSpPr>
+        <p:spPr>
+          <a:xfrm>
+            <a:off x="457200" y="2420888"/>
+            <a:ext cx="8229600" cy="4056112"/>
+          </a:xfrm>
+        </p:spPr>
+        <p:txBody>
+          <a:bodyPr/>
+          <a:lstStyle/>
+          <a:p>
+            <a:pPr marL="0" indent="0">
+              <a:buNone/>
+            </a:pPr>
+            <a:r>
+              <a:rPr lang="ru-RU" dirty="0" smtClean="0"/>
+              <a:t>95 классов</a:t>
+            </a:r>
+          </a:p>
+          <a:p>
+            <a:pPr marL="0" indent="0">
+              <a:buNone/>
+            </a:pPr>
+            <a:r>
+              <a:rPr lang="ru-RU" dirty="0" smtClean="0"/>
+              <a:t>71 тест</a:t>
+            </a:r>
+            <a:endParaRPr lang="ru-RU" dirty="0"/>
+          </a:p>
+        </p:txBody>
+      </p:sp>
+      <p:pic>
+        <p:nvPicPr>
+          <p:cNvPr id="3074" name="Picture 2"/>
+          <p:cNvPicPr>
+            <a:picLocks noChangeAspect="1" noChangeArrowheads="1"/>
+          </p:cNvPicPr>
+          <p:nvPr/>
+        </p:nvPicPr>
+        <p:blipFill>
+          <a:blip r:embed="rId2">
+            <a:extLst>
+              <a:ext uri="{28A0092B-C50C-407E-A947-70E740481C1C}">
+                <a14:useLocalDpi xmlns:a14="http://schemas.microsoft.com/office/drawing/2010/main" val="0"/>
+              </a:ext>
+            </a:extLst>
+          </a:blip>
+          <a:srcRect/>
+          <a:stretch>
+            <a:fillRect/>
+          </a:stretch>
+        </p:blipFill>
+        <p:spPr bwMode="auto">
+          <a:xfrm>
+            <a:off x="-108520" y="1484784"/>
+            <a:ext cx="9254189" cy="663306"/>
+          </a:xfrm>
+          <a:prstGeom prst="rect">
+            <a:avLst/>
+          </a:prstGeom>
+          <a:noFill/>
+          <a:ln>
+            <a:noFill/>
+          </a:ln>
+          <a:effectLst/>
+          <a:extLst>
+            <a:ext uri="{909E8E84-426E-40DD-AFC4-6F175D3DCCD1}">
+              <a14:hiddenFill xmlns:a14="http://schemas.microsoft.com/office/drawing/2010/main">
+                <a:solidFill>
+                  <a:schemeClr val="accent1"/>
+                </a:solidFill>
+              </a14:hiddenFill>
+            </a:ext>
+            <a:ext uri="{91240B29-F687-4F45-9708-019B960494DF}">
+              <a14:hiddenLine xmlns:a14="http://schemas.microsoft.com/office/drawing/2010/main" w="9525">
+                <a:solidFill>
+                  <a:schemeClr val="tx1"/>
+                </a:solidFill>
+                <a:miter lim="800000"/>
+                <a:headEnd/>
+                <a:tailEnd/>
+              </a14:hiddenLine>
+            </a:ext>
+            <a:ext uri="{AF507438-7753-43E0-B8FC-AC1667EBCBE1}">
+              <a14:hiddenEffects xmlns:a14="http://schemas.microsoft.com/office/drawing/2010/main">
+                <a:effectLst>
+                  <a:outerShdw dist="35921" dir="2700000" algn="ctr" rotWithShape="0">
+                    <a:schemeClr val="bg2"/>
+                  </a:outerShdw>
+                </a:effectLst>
+              </a14:hiddenEffects>
+            </a:ext>
+          </a:extLst>
+        </p:spPr>
+      </p:pic>
+    </p:spTree>
+    <p:extLst>
+      <p:ext uri="{BB962C8B-B14F-4D97-AF65-F5344CB8AC3E}">
+        <p14:creationId xmlns:p14="http://schemas.microsoft.com/office/powerpoint/2010/main" val="502615058"/>
+      </p:ext>
+    </p:extLst>
+  </p:cSld>
+  <p:clrMapOvr>
+    <a:masterClrMapping/>
+  </p:clrMapOvr>
+</p:sld>
+</file>
+
+<file path=ppt/slides/slide19.xml><?xml version="1.0" encoding="utf-8"?>
 <p:sld xmlns:a="http://schemas.openxmlformats.org/drawingml/2006/main" xmlns:r="http://schemas.openxmlformats.org/officeDocument/2006/relationships" xmlns:p="http://schemas.openxmlformats.org/presentationml/2006/main">
   <p:cSld>
     <p:spTree>
@@ -4753,7 +6427,7 @@
           <a:p>
             <a:r>
               <a:rPr lang="ru-RU" dirty="0" smtClean="0"/>
-              <a:t>Преимущества языка</a:t>
+              <a:t>Основные идеи</a:t>
             </a:r>
             <a:endParaRPr lang="en-US" dirty="0"/>
           </a:p>
@@ -4761,7 +6435,7 @@
       </p:sp>
       <p:sp>
         <p:nvSpPr>
-          <p:cNvPr id="3" name="Content Placeholder 2"/>
+          <p:cNvPr id="4" name="Content Placeholder 2"/>
           <p:cNvSpPr>
             <a:spLocks noGrp="1"/>
           </p:cNvSpPr>
@@ -4769,40 +6443,47 @@
             <p:ph idx="1"/>
           </p:nvPr>
         </p:nvSpPr>
-        <p:spPr/>
-        <p:txBody>
-          <a:bodyPr>
-            <a:normAutofit/>
-          </a:bodyPr>
-          <a:lstStyle/>
-          <a:p>
-            <a:r>
-              <a:rPr lang="ru-RU" sz="8800" dirty="0" smtClean="0">
-                <a:solidFill>
-                  <a:srgbClr val="FF0000"/>
-                </a:solidFill>
-                <a:effectLst>
-                  <a:outerShdw blurRad="38100" dist="38100" dir="2700000" algn="tl">
-                    <a:srgbClr val="000000">
-                      <a:alpha val="43137"/>
-                    </a:srgbClr>
-                  </a:outerShdw>
-                </a:effectLst>
-              </a:rPr>
-              <a:t>ХЗ</a:t>
-            </a:r>
-            <a:endParaRPr lang="en-US" sz="8800" dirty="0">
-              <a:solidFill>
-                <a:srgbClr val="FF0000"/>
-              </a:solidFill>
-              <a:effectLst>
-                <a:outerShdw blurRad="38100" dist="38100" dir="2700000" algn="tl">
-                  <a:srgbClr val="000000">
-                    <a:alpha val="43137"/>
-                  </a:srgbClr>
-                </a:outerShdw>
-              </a:effectLst>
-            </a:endParaRPr>
+        <p:spPr>
+          <a:xfrm>
+            <a:off x="457200" y="1600200"/>
+            <a:ext cx="8229600" cy="4349080"/>
+          </a:xfrm>
+        </p:spPr>
+        <p:txBody>
+          <a:bodyPr/>
+          <a:lstStyle/>
+          <a:p>
+            <a:r>
+              <a:rPr lang="ru-RU" dirty="0" smtClean="0"/>
+              <a:t>Максимально простой синтаксис, ничиго лишнего</a:t>
+            </a:r>
+          </a:p>
+          <a:p>
+            <a:r>
+              <a:rPr lang="ru-RU" dirty="0" smtClean="0"/>
+              <a:t>Принудительное соблюдение правильного форматирования</a:t>
+            </a:r>
+          </a:p>
+          <a:p>
+            <a:r>
+              <a:rPr lang="ru-RU" dirty="0" smtClean="0"/>
+              <a:t>Язык, который позволяет писать только чистый код</a:t>
+            </a:r>
+          </a:p>
+          <a:p>
+            <a:r>
+              <a:rPr lang="ru-RU" dirty="0" smtClean="0"/>
+              <a:t>Статическая типизация</a:t>
+            </a:r>
+          </a:p>
+          <a:p>
+            <a:r>
+              <a:rPr lang="ru-RU" dirty="0"/>
+              <a:t>Кроссплатформенность</a:t>
+            </a:r>
+          </a:p>
+          <a:p>
+            <a:endParaRPr lang="ru-RU" dirty="0" smtClean="0"/>
           </a:p>
         </p:txBody>
       </p:sp>
@@ -5036,12 +6717,8 @@
               <a:t>Генерация </a:t>
             </a:r>
             <a:r>
-              <a:rPr lang="en-US" dirty="0" smtClean="0"/>
-              <a:t>LLVM</a:t>
-            </a:r>
-            <a:r>
               <a:rPr lang="ru-RU" dirty="0" smtClean="0"/>
-              <a:t>-кода</a:t>
+              <a:t>кода</a:t>
             </a:r>
             <a:endParaRPr lang="en-US" dirty="0"/>
           </a:p>
@@ -5060,42 +6737,6 @@
           <a:xfrm>
             <a:off x="4572000" y="2392747"/>
             <a:ext cx="0" cy="404488"/>
-          </a:xfrm>
-          <a:prstGeom prst="straightConnector1">
-            <a:avLst/>
-          </a:prstGeom>
-          <a:ln>
-            <a:tailEnd type="arrow"/>
-          </a:ln>
-        </p:spPr>
-        <p:style>
-          <a:lnRef idx="1">
-            <a:schemeClr val="accent1"/>
-          </a:lnRef>
-          <a:fillRef idx="0">
-            <a:schemeClr val="accent1"/>
-          </a:fillRef>
-          <a:effectRef idx="0">
-            <a:schemeClr val="accent1"/>
-          </a:effectRef>
-          <a:fontRef idx="minor">
-            <a:schemeClr val="tx1"/>
-          </a:fontRef>
-        </p:style>
-      </p:cxnSp>
-      <p:cxnSp>
-        <p:nvCxnSpPr>
-          <p:cNvPr id="10" name="Straight Arrow Connector 9"/>
-          <p:cNvCxnSpPr>
-            <a:stCxn id="5" idx="2"/>
-            <a:endCxn id="6" idx="0"/>
-          </p:cNvCxnSpPr>
-          <p:nvPr/>
-        </p:nvCxnSpPr>
-        <p:spPr>
-          <a:xfrm>
-            <a:off x="4572000" y="3589323"/>
-            <a:ext cx="0" cy="415741"/>
           </a:xfrm>
           <a:prstGeom prst="straightConnector1">
             <a:avLst/>
@@ -5353,42 +6994,6 @@
       </p:sp>
       <p:cxnSp>
         <p:nvCxnSpPr>
-          <p:cNvPr id="48" name="Straight Arrow Connector 47"/>
-          <p:cNvCxnSpPr>
-            <a:stCxn id="5" idx="3"/>
-            <a:endCxn id="45" idx="0"/>
-          </p:cNvCxnSpPr>
-          <p:nvPr/>
-        </p:nvCxnSpPr>
-        <p:spPr>
-          <a:xfrm>
-            <a:off x="5724128" y="3193279"/>
-            <a:ext cx="1944216" cy="811785"/>
-          </a:xfrm>
-          <a:prstGeom prst="straightConnector1">
-            <a:avLst/>
-          </a:prstGeom>
-          <a:ln>
-            <a:tailEnd type="arrow"/>
-          </a:ln>
-        </p:spPr>
-        <p:style>
-          <a:lnRef idx="1">
-            <a:schemeClr val="accent1"/>
-          </a:lnRef>
-          <a:fillRef idx="0">
-            <a:schemeClr val="accent1"/>
-          </a:fillRef>
-          <a:effectRef idx="0">
-            <a:schemeClr val="accent1"/>
-          </a:effectRef>
-          <a:fontRef idx="minor">
-            <a:schemeClr val="tx1"/>
-          </a:fontRef>
-        </p:style>
-      </p:cxnSp>
-      <p:cxnSp>
-        <p:nvCxnSpPr>
           <p:cNvPr id="53" name="Straight Arrow Connector 52"/>
           <p:cNvCxnSpPr>
             <a:stCxn id="45" idx="1"/>
@@ -5736,26 +7341,27 @@
             <p:ph idx="1"/>
           </p:nvPr>
         </p:nvSpPr>
-        <p:spPr/>
+        <p:spPr>
+          <a:xfrm>
+            <a:off x="457200" y="1600200"/>
+            <a:ext cx="8229600" cy="1252736"/>
+          </a:xfrm>
+        </p:spPr>
         <p:txBody>
           <a:bodyPr/>
           <a:lstStyle/>
           <a:p>
             <a:r>
-              <a:rPr lang="ru-RU" dirty="0" err="1"/>
-              <a:t>Парсер</a:t>
+              <a:rPr lang="en-US" dirty="0" smtClean="0"/>
+              <a:t>LR –</a:t>
+            </a:r>
+            <a:r>
+              <a:rPr lang="ru-RU" dirty="0" smtClean="0"/>
+              <a:t> парсер, используя информацию о грамматике, </a:t>
             </a:r>
             <a:r>
               <a:rPr lang="ru-RU" dirty="0"/>
-              <a:t> </a:t>
-            </a:r>
-            <a:r>
-              <a:rPr lang="ru-RU" dirty="0" err="1"/>
-              <a:t>разбирет</a:t>
-            </a:r>
-            <a:r>
-              <a:rPr lang="ru-RU" dirty="0"/>
-              <a:t> поток лексем от сканера и формирует </a:t>
+              <a:t>разбирет поток лексем от сканера и формирует </a:t>
             </a:r>
             <a:r>
               <a:rPr lang="en-US" dirty="0"/>
@@ -5773,13 +7379,74 @@
               <a:rPr lang="en-US" dirty="0" err="1" smtClean="0"/>
               <a:t>AstBuilder</a:t>
             </a:r>
-            <a:endParaRPr lang="ru-RU" dirty="0"/>
-          </a:p>
-          <a:p>
             <a:endParaRPr lang="en-US" dirty="0"/>
           </a:p>
         </p:txBody>
       </p:sp>
+      <p:pic>
+        <p:nvPicPr>
+          <p:cNvPr id="1027" name="Picture 3"/>
+          <p:cNvPicPr>
+            <a:picLocks noChangeAspect="1" noChangeArrowheads="1"/>
+          </p:cNvPicPr>
+          <p:nvPr/>
+        </p:nvPicPr>
+        <p:blipFill>
+          <a:blip r:embed="rId2">
+            <a:extLst>
+              <a:ext uri="{28A0092B-C50C-407E-A947-70E740481C1C}">
+                <a14:useLocalDpi xmlns:a14="http://schemas.microsoft.com/office/drawing/2010/main" val="0"/>
+              </a:ext>
+            </a:extLst>
+          </a:blip>
+          <a:srcRect/>
+          <a:stretch>
+            <a:fillRect/>
+          </a:stretch>
+        </p:blipFill>
+        <p:spPr bwMode="auto">
+          <a:xfrm>
+            <a:off x="1475656" y="3284984"/>
+            <a:ext cx="5810250" cy="2952750"/>
+          </a:xfrm>
+          <a:prstGeom prst="rect">
+            <a:avLst/>
+          </a:prstGeom>
+          <a:noFill/>
+          <a:ln>
+            <a:noFill/>
+          </a:ln>
+          <a:effectLst/>
+          <a:extLst>
+            <a:ext uri="{909E8E84-426E-40DD-AFC4-6F175D3DCCD1}">
+              <a14:hiddenFill xmlns:a14="http://schemas.microsoft.com/office/drawing/2010/main">
+                <a:solidFill>
+                  <a:schemeClr val="accent1"/>
+                </a:solidFill>
+              </a14:hiddenFill>
+            </a:ext>
+            <a:ext uri="{91240B29-F687-4F45-9708-019B960494DF}">
+              <a14:hiddenLine xmlns:a14="http://schemas.microsoft.com/office/drawing/2010/main" w="9525">
+                <a:solidFill>
+                  <a:schemeClr val="tx1"/>
+                </a:solidFill>
+                <a:miter lim="800000"/>
+                <a:headEnd/>
+                <a:tailEnd/>
+              </a14:hiddenLine>
+            </a:ext>
+            <a:ext uri="{AF507438-7753-43E0-B8FC-AC1667EBCBE1}">
+              <a14:hiddenEffects xmlns:a14="http://schemas.microsoft.com/office/drawing/2010/main">
+                <a:effectLst>
+                  <a:outerShdw dist="35921" dir="2700000" algn="ctr" rotWithShape="0">
+                    <a:schemeClr val="bg2"/>
+                  </a:outerShdw>
+                </a:effectLst>
+              </a14:hiddenEffects>
+            </a:ext>
+          </a:extLst>
+        </p:spPr>
+      </p:pic>
     </p:spTree>
     <p:extLst>
       <p:ext uri="{BB962C8B-B14F-4D97-AF65-F5344CB8AC3E}">
@@ -5825,15 +7492,7 @@
           <a:bodyPr/>
           <a:lstStyle/>
           <a:p>
-            <a:r>
-              <a:rPr lang="en-US" dirty="0" smtClean="0"/>
-              <a:t>SLR(1) </a:t>
-            </a:r>
-            <a:r>
-              <a:rPr lang="ru-RU" dirty="0" smtClean="0"/>
-              <a:t>таблица</a:t>
-            </a:r>
-            <a:endParaRPr lang="en-US" dirty="0"/>
+            <a:endParaRPr lang="ru-RU"/>
           </a:p>
         </p:txBody>
       </p:sp>
@@ -5852,22 +7511,78 @@
           <a:bodyPr/>
           <a:lstStyle/>
           <a:p>
-            <a:r>
-              <a:rPr lang="ru-RU" dirty="0" smtClean="0"/>
-              <a:t>Таблица разбора генерируется утилитой </a:t>
-            </a:r>
-            <a:r>
-              <a:rPr lang="en-US" dirty="0" err="1" smtClean="0"/>
-              <a:t>parseTableMaker</a:t>
-            </a:r>
-            <a:endParaRPr lang="en-US" dirty="0"/>
-          </a:p>
-        </p:txBody>
-      </p:sp>
+            <a:endParaRPr lang="ru-RU" dirty="0"/>
+          </a:p>
+        </p:txBody>
+      </p:sp>
+      <p:pic>
+        <p:nvPicPr>
+          <p:cNvPr id="2050" name="Picture 2"/>
+          <p:cNvPicPr>
+            <a:picLocks noChangeAspect="1" noChangeArrowheads="1"/>
+          </p:cNvPicPr>
+          <p:nvPr/>
+        </p:nvPicPr>
+        <p:blipFill>
+          <a:blip r:embed="rId2">
+            <a:extLst>
+              <a:ext uri="{28A0092B-C50C-407E-A947-70E740481C1C}">
+                <a14:useLocalDpi xmlns:a14="http://schemas.microsoft.com/office/drawing/2010/main" val="0"/>
+              </a:ext>
+            </a:extLst>
+          </a:blip>
+          <a:srcRect/>
+          <a:stretch>
+            <a:fillRect/>
+          </a:stretch>
+        </p:blipFill>
+        <p:spPr bwMode="auto">
+          <a:xfrm>
+            <a:off x="251520" y="764704"/>
+            <a:ext cx="8540149" cy="4752528"/>
+          </a:xfrm>
+          <a:prstGeom prst="rect">
+            <a:avLst/>
+          </a:prstGeom>
+          <a:noFill/>
+          <a:ln>
+            <a:noFill/>
+          </a:ln>
+          <a:effectLst/>
+          <a:extLst>
+            <a:ext uri="{909E8E84-426E-40DD-AFC4-6F175D3DCCD1}">
+              <a14:hiddenFill xmlns:a14="http://schemas.microsoft.com/office/drawing/2010/main">
+                <a:solidFill>
+                  <a:schemeClr val="accent1"/>
+                </a:solidFill>
+              </a14:hiddenFill>
+            </a:ext>
+            <a:ext uri="{91240B29-F687-4F45-9708-019B960494DF}">
+              <a14:hiddenLine xmlns:a14="http://schemas.microsoft.com/office/drawing/2010/main" w="9525">
+                <a:solidFill>
+                  <a:schemeClr val="tx1"/>
+                </a:solidFill>
+                <a:miter lim="800000"/>
+                <a:headEnd/>
+                <a:tailEnd/>
+              </a14:hiddenLine>
+            </a:ext>
+            <a:ext uri="{AF507438-7753-43E0-B8FC-AC1667EBCBE1}">
+              <a14:hiddenEffects xmlns:a14="http://schemas.microsoft.com/office/drawing/2010/main">
+                <a:effectLst>
+                  <a:outerShdw dist="35921" dir="2700000" algn="ctr" rotWithShape="0">
+                    <a:schemeClr val="bg2"/>
+                  </a:outerShdw>
+                </a:effectLst>
+              </a14:hiddenEffects>
+            </a:ext>
+          </a:extLst>
+        </p:spPr>
+      </p:pic>
     </p:spTree>
     <p:extLst>
       <p:ext uri="{BB962C8B-B14F-4D97-AF65-F5344CB8AC3E}">
-        <p14:creationId xmlns:p14="http://schemas.microsoft.com/office/powerpoint/2010/main" val="1930904942"/>
+        <p14:creationId xmlns:p14="http://schemas.microsoft.com/office/powerpoint/2010/main" val="1747540554"/>
       </p:ext>
     </p:extLst>
   </p:cSld>
@@ -5910,62 +7625,74 @@
           <a:lstStyle/>
           <a:p>
             <a:r>
+              <a:rPr lang="ru-RU" dirty="0" smtClean="0"/>
+              <a:t>Таблица разбора</a:t>
+            </a:r>
+            <a:endParaRPr lang="en-US" dirty="0"/>
+          </a:p>
+        </p:txBody>
+      </p:sp>
+      <p:sp>
+        <p:nvSpPr>
+          <p:cNvPr id="3" name="Content Placeholder 2"/>
+          <p:cNvSpPr>
+            <a:spLocks noGrp="1"/>
+          </p:cNvSpPr>
+          <p:nvPr>
+            <p:ph idx="1"/>
+          </p:nvPr>
+        </p:nvSpPr>
+        <p:spPr/>
+        <p:txBody>
+          <a:bodyPr/>
+          <a:lstStyle/>
+          <a:p>
+            <a:r>
+              <a:rPr lang="ru-RU" dirty="0" smtClean="0"/>
+              <a:t>Состоит из двух частей:</a:t>
+            </a:r>
+          </a:p>
+          <a:p>
+            <a:r>
+              <a:rPr lang="ru-RU" dirty="0" smtClean="0"/>
+              <a:t>1) таблицы действий (</a:t>
+            </a:r>
+            <a:r>
               <a:rPr lang="en-US" dirty="0" smtClean="0"/>
-              <a:t>SLR(1)</a:t>
-            </a:r>
+              <a:t>action)</a:t>
+            </a:r>
+          </a:p>
+          <a:p>
+            <a:r>
+              <a:rPr lang="en-US" dirty="0" smtClean="0"/>
+              <a:t>2) </a:t>
+            </a:r>
+            <a:r>
+              <a:rPr lang="ru-RU" dirty="0" smtClean="0"/>
+              <a:t>таблица переходов (</a:t>
+            </a:r>
+            <a:r>
+              <a:rPr lang="en-US" dirty="0" err="1" smtClean="0"/>
+              <a:t>goto</a:t>
+            </a:r>
+            <a:r>
+              <a:rPr lang="ru-RU" dirty="0" smtClean="0"/>
+              <a:t>)</a:t>
+            </a:r>
+            <a:endParaRPr lang="en-US" dirty="0" smtClean="0"/>
+          </a:p>
+          <a:p>
             <a:endParaRPr lang="en-US" dirty="0"/>
           </a:p>
-        </p:txBody>
-      </p:sp>
-      <p:sp>
-        <p:nvSpPr>
-          <p:cNvPr id="3" name="Content Placeholder 2"/>
-          <p:cNvSpPr>
-            <a:spLocks noGrp="1"/>
-          </p:cNvSpPr>
-          <p:nvPr>
-            <p:ph idx="1"/>
-          </p:nvPr>
-        </p:nvSpPr>
-        <p:spPr/>
-        <p:txBody>
-          <a:bodyPr/>
-          <a:lstStyle/>
-          <a:p>
+          <a:p>
+            <a:r>
+              <a:rPr lang="ru-RU" dirty="0" smtClean="0"/>
+              <a:t>Генерируется на основе грамматики, при помощи отдельной программы. На выходе получается ОО-код таблицы на языке С</a:t>
+            </a:r>
             <a:r>
               <a:rPr lang="en-US" dirty="0" smtClean="0"/>
-              <a:t>Simple LR</a:t>
-            </a:r>
-          </a:p>
-          <a:p>
-            <a:r>
-              <a:rPr lang="en-US" dirty="0" smtClean="0"/>
-              <a:t>LR – </a:t>
-            </a:r>
-            <a:r>
-              <a:rPr lang="ru-RU" dirty="0" smtClean="0"/>
-              <a:t>просмотр </a:t>
-            </a:r>
-            <a:r>
-              <a:rPr lang="en-US" dirty="0" smtClean="0"/>
-              <a:t>“left-to-right”, “rightmost”</a:t>
-            </a:r>
-            <a:r>
-              <a:rPr lang="ru-RU" dirty="0" smtClean="0"/>
-              <a:t> вывод</a:t>
-            </a:r>
-            <a:endParaRPr lang="en-US" dirty="0" smtClean="0"/>
-          </a:p>
-          <a:p>
-            <a:r>
-              <a:rPr lang="ru-RU" dirty="0" smtClean="0"/>
-              <a:t>(1) – число просматриваемых символов для однозначного определения перехода</a:t>
-            </a:r>
-          </a:p>
-          <a:p>
-            <a:pPr marL="0" indent="0">
-              <a:buNone/>
-            </a:pPr>
+              <a:t>#</a:t>
+            </a:r>
             <a:endParaRPr lang="en-US" dirty="0"/>
           </a:p>
         </p:txBody>
@@ -5973,7 +7700,7 @@
     </p:spTree>
     <p:extLst>
       <p:ext uri="{BB962C8B-B14F-4D97-AF65-F5344CB8AC3E}">
-        <p14:creationId xmlns:p14="http://schemas.microsoft.com/office/powerpoint/2010/main" val="2496925302"/>
+        <p14:creationId xmlns:p14="http://schemas.microsoft.com/office/powerpoint/2010/main" val="1930904942"/>
       </p:ext>
     </p:extLst>
   </p:cSld>

--- a/docs/Py.pptx
+++ b/docs/Py.pptx
@@ -313,7 +313,7 @@
           <a:p>
             <a:fld id="{A60D4265-0173-4B92-8AE8-B206EFCB5E20}" type="datetimeFigureOut">
               <a:rPr lang="en-US" smtClean="0"/>
-              <a:t>1/10/2014</a:t>
+              <a:t>1/9/2014</a:t>
             </a:fld>
             <a:endParaRPr lang="en-US"/>
           </a:p>
@@ -513,7 +513,7 @@
           <a:p>
             <a:fld id="{A60D4265-0173-4B92-8AE8-B206EFCB5E20}" type="datetimeFigureOut">
               <a:rPr lang="en-US" smtClean="0"/>
-              <a:t>1/10/2014</a:t>
+              <a:t>1/9/2014</a:t>
             </a:fld>
             <a:endParaRPr lang="en-US"/>
           </a:p>
@@ -688,7 +688,7 @@
           <a:p>
             <a:fld id="{A60D4265-0173-4B92-8AE8-B206EFCB5E20}" type="datetimeFigureOut">
               <a:rPr lang="en-US" smtClean="0"/>
-              <a:t>1/10/2014</a:t>
+              <a:t>1/9/2014</a:t>
             </a:fld>
             <a:endParaRPr lang="en-US"/>
           </a:p>
@@ -853,7 +853,7 @@
           <a:p>
             <a:fld id="{A60D4265-0173-4B92-8AE8-B206EFCB5E20}" type="datetimeFigureOut">
               <a:rPr lang="en-US" smtClean="0"/>
-              <a:t>1/10/2014</a:t>
+              <a:t>1/9/2014</a:t>
             </a:fld>
             <a:endParaRPr lang="en-US"/>
           </a:p>
@@ -1101,7 +1101,7 @@
           <a:p>
             <a:fld id="{A60D4265-0173-4B92-8AE8-B206EFCB5E20}" type="datetimeFigureOut">
               <a:rPr lang="en-US" smtClean="0"/>
-              <a:t>1/10/2014</a:t>
+              <a:t>1/9/2014</a:t>
             </a:fld>
             <a:endParaRPr lang="en-US"/>
           </a:p>
@@ -1419,7 +1419,7 @@
           <a:p>
             <a:fld id="{A60D4265-0173-4B92-8AE8-B206EFCB5E20}" type="datetimeFigureOut">
               <a:rPr lang="en-US" smtClean="0"/>
-              <a:t>1/10/2014</a:t>
+              <a:t>1/9/2014</a:t>
             </a:fld>
             <a:endParaRPr lang="en-US"/>
           </a:p>
@@ -1885,7 +1885,7 @@
           <a:p>
             <a:fld id="{A60D4265-0173-4B92-8AE8-B206EFCB5E20}" type="datetimeFigureOut">
               <a:rPr lang="en-US" smtClean="0"/>
-              <a:t>1/10/2014</a:t>
+              <a:t>1/9/2014</a:t>
             </a:fld>
             <a:endParaRPr lang="en-US"/>
           </a:p>
@@ -2033,7 +2033,7 @@
           <a:p>
             <a:fld id="{A60D4265-0173-4B92-8AE8-B206EFCB5E20}" type="datetimeFigureOut">
               <a:rPr lang="en-US" smtClean="0"/>
-              <a:t>1/10/2014</a:t>
+              <a:t>1/9/2014</a:t>
             </a:fld>
             <a:endParaRPr lang="en-US"/>
           </a:p>
@@ -2123,7 +2123,7 @@
           <a:p>
             <a:fld id="{A60D4265-0173-4B92-8AE8-B206EFCB5E20}" type="datetimeFigureOut">
               <a:rPr lang="en-US" smtClean="0"/>
-              <a:t>1/10/2014</a:t>
+              <a:t>1/9/2014</a:t>
             </a:fld>
             <a:endParaRPr lang="en-US"/>
           </a:p>
@@ -2397,7 +2397,7 @@
           <a:p>
             <a:fld id="{A60D4265-0173-4B92-8AE8-B206EFCB5E20}" type="datetimeFigureOut">
               <a:rPr lang="en-US" smtClean="0"/>
-              <a:t>1/10/2014</a:t>
+              <a:t>1/9/2014</a:t>
             </a:fld>
             <a:endParaRPr lang="en-US"/>
           </a:p>
@@ -2702,7 +2702,7 @@
           <a:p>
             <a:fld id="{A60D4265-0173-4B92-8AE8-B206EFCB5E20}" type="datetimeFigureOut">
               <a:rPr lang="en-US" smtClean="0"/>
-              <a:t>1/10/2014</a:t>
+              <a:t>1/9/2014</a:t>
             </a:fld>
             <a:endParaRPr lang="en-US"/>
           </a:p>
@@ -3000,7 +3000,7 @@
           <a:p>
             <a:fld id="{A60D4265-0173-4B92-8AE8-B206EFCB5E20}" type="datetimeFigureOut">
               <a:rPr lang="en-US" smtClean="0"/>
-              <a:t>1/10/2014</a:t>
+              <a:t>1/9/2014</a:t>
             </a:fld>
             <a:endParaRPr lang="en-US"/>
           </a:p>
@@ -3443,7 +3443,22 @@
           <a:p>
             <a:r>
               <a:rPr lang="ru-RU" dirty="0" smtClean="0"/>
-              <a:t>Курсовой проект по дисциплине «Теория Языков Программирования и Методы Трансляции»</a:t>
+              <a:t>Курсовой </a:t>
+            </a:r>
+            <a:r>
+              <a:rPr lang="ru-RU" dirty="0" smtClean="0"/>
+              <a:t>проект по дисциплине </a:t>
+            </a:r>
+            <a:endParaRPr lang="en-US" smtClean="0"/>
+          </a:p>
+          <a:p>
+            <a:r>
+              <a:rPr lang="ru-RU" smtClean="0"/>
+              <a:t>«</a:t>
+            </a:r>
+            <a:r>
+              <a:rPr lang="ru-RU" dirty="0" smtClean="0"/>
+              <a:t>Теория Языков Программирования и Методы Трансляции»</a:t>
             </a:r>
             <a:endParaRPr lang="en-US" dirty="0"/>
           </a:p>
@@ -3739,11 +3754,7 @@
           <a:p>
             <a:r>
               <a:rPr lang="ru-RU" dirty="0" smtClean="0"/>
-              <a:t>Поддерживает области </a:t>
-            </a:r>
-            <a:r>
-              <a:rPr lang="ru-RU" dirty="0" smtClean="0"/>
-              <a:t>видимости</a:t>
+              <a:t>Поддерживает области видимости</a:t>
             </a:r>
             <a:r>
               <a:rPr lang="en-US" dirty="0" smtClean="0"/>
@@ -3761,11 +3772,7 @@
           <a:p>
             <a:r>
               <a:rPr lang="ru-RU" dirty="0" smtClean="0"/>
-              <a:t>Организация</a:t>
-            </a:r>
-            <a:r>
-              <a:rPr lang="ru-RU" dirty="0" smtClean="0"/>
-              <a:t>: </a:t>
+              <a:t>Организация: </a:t>
             </a:r>
             <a:endParaRPr lang="ru-RU" dirty="0"/>
           </a:p>
@@ -7622,11 +7629,7 @@
           <a:p>
             <a:r>
               <a:rPr lang="ru-RU" dirty="0" smtClean="0"/>
-              <a:t>Структура </a:t>
-            </a:r>
-            <a:r>
-              <a:rPr lang="ru-RU" dirty="0" smtClean="0"/>
-              <a:t>компилятора</a:t>
+              <a:t>Структура компилятора</a:t>
             </a:r>
             <a:endParaRPr lang="en-US" dirty="0"/>
           </a:p>

--- a/docs/Py.pptx
+++ b/docs/Py.pptx
@@ -10,8 +10,8 @@
     <p:sldId id="271" r:id="rId4"/>
     <p:sldId id="258" r:id="rId5"/>
     <p:sldId id="259" r:id="rId6"/>
-    <p:sldId id="260" r:id="rId7"/>
-    <p:sldId id="261" r:id="rId8"/>
+    <p:sldId id="261" r:id="rId7"/>
+    <p:sldId id="260" r:id="rId8"/>
     <p:sldId id="273" r:id="rId9"/>
     <p:sldId id="263" r:id="rId10"/>
     <p:sldId id="264" r:id="rId11"/>
@@ -313,7 +313,7 @@
           <a:p>
             <a:fld id="{A60D4265-0173-4B92-8AE8-B206EFCB5E20}" type="datetimeFigureOut">
               <a:rPr lang="en-US" smtClean="0"/>
-              <a:t>1/9/2014</a:t>
+              <a:t>1/10/2014</a:t>
             </a:fld>
             <a:endParaRPr lang="en-US"/>
           </a:p>
@@ -513,7 +513,7 @@
           <a:p>
             <a:fld id="{A60D4265-0173-4B92-8AE8-B206EFCB5E20}" type="datetimeFigureOut">
               <a:rPr lang="en-US" smtClean="0"/>
-              <a:t>1/9/2014</a:t>
+              <a:t>1/10/2014</a:t>
             </a:fld>
             <a:endParaRPr lang="en-US"/>
           </a:p>
@@ -688,7 +688,7 @@
           <a:p>
             <a:fld id="{A60D4265-0173-4B92-8AE8-B206EFCB5E20}" type="datetimeFigureOut">
               <a:rPr lang="en-US" smtClean="0"/>
-              <a:t>1/9/2014</a:t>
+              <a:t>1/10/2014</a:t>
             </a:fld>
             <a:endParaRPr lang="en-US"/>
           </a:p>
@@ -853,7 +853,7 @@
           <a:p>
             <a:fld id="{A60D4265-0173-4B92-8AE8-B206EFCB5E20}" type="datetimeFigureOut">
               <a:rPr lang="en-US" smtClean="0"/>
-              <a:t>1/9/2014</a:t>
+              <a:t>1/10/2014</a:t>
             </a:fld>
             <a:endParaRPr lang="en-US"/>
           </a:p>
@@ -1101,7 +1101,7 @@
           <a:p>
             <a:fld id="{A60D4265-0173-4B92-8AE8-B206EFCB5E20}" type="datetimeFigureOut">
               <a:rPr lang="en-US" smtClean="0"/>
-              <a:t>1/9/2014</a:t>
+              <a:t>1/10/2014</a:t>
             </a:fld>
             <a:endParaRPr lang="en-US"/>
           </a:p>
@@ -1419,7 +1419,7 @@
           <a:p>
             <a:fld id="{A60D4265-0173-4B92-8AE8-B206EFCB5E20}" type="datetimeFigureOut">
               <a:rPr lang="en-US" smtClean="0"/>
-              <a:t>1/9/2014</a:t>
+              <a:t>1/10/2014</a:t>
             </a:fld>
             <a:endParaRPr lang="en-US"/>
           </a:p>
@@ -1885,7 +1885,7 @@
           <a:p>
             <a:fld id="{A60D4265-0173-4B92-8AE8-B206EFCB5E20}" type="datetimeFigureOut">
               <a:rPr lang="en-US" smtClean="0"/>
-              <a:t>1/9/2014</a:t>
+              <a:t>1/10/2014</a:t>
             </a:fld>
             <a:endParaRPr lang="en-US"/>
           </a:p>
@@ -2033,7 +2033,7 @@
           <a:p>
             <a:fld id="{A60D4265-0173-4B92-8AE8-B206EFCB5E20}" type="datetimeFigureOut">
               <a:rPr lang="en-US" smtClean="0"/>
-              <a:t>1/9/2014</a:t>
+              <a:t>1/10/2014</a:t>
             </a:fld>
             <a:endParaRPr lang="en-US"/>
           </a:p>
@@ -2123,7 +2123,7 @@
           <a:p>
             <a:fld id="{A60D4265-0173-4B92-8AE8-B206EFCB5E20}" type="datetimeFigureOut">
               <a:rPr lang="en-US" smtClean="0"/>
-              <a:t>1/9/2014</a:t>
+              <a:t>1/10/2014</a:t>
             </a:fld>
             <a:endParaRPr lang="en-US"/>
           </a:p>
@@ -2397,7 +2397,7 @@
           <a:p>
             <a:fld id="{A60D4265-0173-4B92-8AE8-B206EFCB5E20}" type="datetimeFigureOut">
               <a:rPr lang="en-US" smtClean="0"/>
-              <a:t>1/9/2014</a:t>
+              <a:t>1/10/2014</a:t>
             </a:fld>
             <a:endParaRPr lang="en-US"/>
           </a:p>
@@ -2702,7 +2702,7 @@
           <a:p>
             <a:fld id="{A60D4265-0173-4B92-8AE8-B206EFCB5E20}" type="datetimeFigureOut">
               <a:rPr lang="en-US" smtClean="0"/>
-              <a:t>1/9/2014</a:t>
+              <a:t>1/10/2014</a:t>
             </a:fld>
             <a:endParaRPr lang="en-US"/>
           </a:p>
@@ -3000,7 +3000,7 @@
           <a:p>
             <a:fld id="{A60D4265-0173-4B92-8AE8-B206EFCB5E20}" type="datetimeFigureOut">
               <a:rPr lang="en-US" smtClean="0"/>
-              <a:t>1/9/2014</a:t>
+              <a:t>1/10/2014</a:t>
             </a:fld>
             <a:endParaRPr lang="en-US"/>
           </a:p>
@@ -3496,11 +3496,7 @@
           <a:p>
             <a:r>
               <a:rPr lang="en-US" dirty="0" smtClean="0"/>
-              <a:t>SLR(1</a:t>
-            </a:r>
-            <a:r>
-              <a:rPr lang="en-US" dirty="0" smtClean="0"/>
-              <a:t>)</a:t>
+              <a:t>SLR(1)</a:t>
             </a:r>
             <a:endParaRPr lang="en-US" dirty="0"/>
           </a:p>
@@ -3569,6 +3565,13 @@
   <p:clrMapOvr>
     <a:masterClrMapping/>
   </p:clrMapOvr>
+  <p:timing>
+    <p:tnLst>
+      <p:par>
+        <p:cTn id="1" dur="indefinite" restart="never" nodeType="tmRoot"/>
+      </p:par>
+    </p:tnLst>
+  </p:timing>
 </p:sld>
 </file>
 
@@ -3631,7 +3634,6 @@
               <a:rPr lang="ru-RU" dirty="0" smtClean="0"/>
               <a:t>Заполнение таблицы символов</a:t>
             </a:r>
-            <a:endParaRPr lang="ru-RU" dirty="0" smtClean="0"/>
           </a:p>
           <a:p>
             <a:r>
@@ -3657,7 +3659,6 @@
               <a:rPr lang="ru-RU" dirty="0" smtClean="0"/>
               <a:t>Обнаружение неиспользованных переменных и функций</a:t>
             </a:r>
-            <a:endParaRPr lang="ru-RU" dirty="0" smtClean="0"/>
           </a:p>
         </p:txBody>
       </p:sp>
@@ -3724,20 +3725,47 @@
             <p:ph idx="1"/>
           </p:nvPr>
         </p:nvSpPr>
-        <p:spPr/>
-        <p:txBody>
-          <a:bodyPr/>
+        <p:spPr>
+          <a:xfrm>
+            <a:off x="457200" y="1600200"/>
+            <a:ext cx="8229600" cy="1036712"/>
+          </a:xfrm>
+        </p:spPr>
+        <p:txBody>
+          <a:bodyPr>
+            <a:normAutofit fontScale="92500" lnSpcReduction="20000"/>
+          </a:bodyPr>
           <a:lstStyle/>
           <a:p>
             <a:r>
               <a:rPr lang="ru-RU" dirty="0" smtClean="0"/>
-              <a:t>Поддерживает области видимости на 100%</a:t>
-            </a:r>
-          </a:p>
-          <a:p>
+              <a:t>Поддерживает области </a:t>
+            </a:r>
             <a:r>
               <a:rPr lang="ru-RU" dirty="0" smtClean="0"/>
-              <a:t>Организация: </a:t>
+              <a:t>видимости</a:t>
+            </a:r>
+            <a:r>
+              <a:rPr lang="en-US" dirty="0" smtClean="0"/>
+              <a:t> (</a:t>
+            </a:r>
+            <a:r>
+              <a:rPr lang="ru-RU" dirty="0" smtClean="0"/>
+              <a:t>уровень вложенности не ограничен</a:t>
+            </a:r>
+            <a:r>
+              <a:rPr lang="en-US" dirty="0" smtClean="0"/>
+              <a:t>)</a:t>
+            </a:r>
+          </a:p>
+          <a:p>
+            <a:r>
+              <a:rPr lang="ru-RU" dirty="0" smtClean="0"/>
+              <a:t>Организация</a:t>
+            </a:r>
+            <a:r>
+              <a:rPr lang="ru-RU" dirty="0" smtClean="0"/>
+              <a:t>: </a:t>
             </a:r>
             <a:endParaRPr lang="ru-RU" dirty="0"/>
           </a:p>
@@ -3745,14 +3773,253 @@
       </p:sp>
       <p:sp>
         <p:nvSpPr>
-          <p:cNvPr id="4" name="TextBox 3"/>
+          <p:cNvPr id="5" name="Rectangle 4"/>
+          <p:cNvSpPr/>
+          <p:nvPr/>
+        </p:nvSpPr>
+        <p:spPr>
+          <a:xfrm>
+            <a:off x="611560" y="2780928"/>
+            <a:ext cx="7992888" cy="3816424"/>
+          </a:xfrm>
+          <a:prstGeom prst="rect">
+            <a:avLst/>
+          </a:prstGeom>
+        </p:spPr>
+        <p:style>
+          <a:lnRef idx="2">
+            <a:schemeClr val="accent1">
+              <a:shade val="50000"/>
+            </a:schemeClr>
+          </a:lnRef>
+          <a:fillRef idx="1">
+            <a:schemeClr val="accent1"/>
+          </a:fillRef>
+          <a:effectRef idx="0">
+            <a:schemeClr val="accent1"/>
+          </a:effectRef>
+          <a:fontRef idx="minor">
+            <a:schemeClr val="lt1"/>
+          </a:fontRef>
+        </p:style>
+        <p:txBody>
+          <a:bodyPr rtlCol="0" anchor="ctr"/>
+          <a:lstStyle/>
+          <a:p>
+            <a:endParaRPr lang="en-US" dirty="0"/>
+          </a:p>
+        </p:txBody>
+      </p:sp>
+      <p:sp>
+        <p:nvSpPr>
+          <p:cNvPr id="6" name="Rectangle 5"/>
+          <p:cNvSpPr/>
+          <p:nvPr/>
+        </p:nvSpPr>
+        <p:spPr>
+          <a:xfrm>
+            <a:off x="1259632" y="3284984"/>
+            <a:ext cx="3888432" cy="3168352"/>
+          </a:xfrm>
+          <a:prstGeom prst="rect">
+            <a:avLst/>
+          </a:prstGeom>
+        </p:spPr>
+        <p:style>
+          <a:lnRef idx="2">
+            <a:schemeClr val="accent1">
+              <a:shade val="50000"/>
+            </a:schemeClr>
+          </a:lnRef>
+          <a:fillRef idx="1">
+            <a:schemeClr val="accent1"/>
+          </a:fillRef>
+          <a:effectRef idx="0">
+            <a:schemeClr val="accent1"/>
+          </a:effectRef>
+          <a:fontRef idx="minor">
+            <a:schemeClr val="lt1"/>
+          </a:fontRef>
+        </p:style>
+        <p:txBody>
+          <a:bodyPr rtlCol="0" anchor="ctr"/>
+          <a:lstStyle/>
+          <a:p>
+            <a:pPr algn="ctr"/>
+            <a:endParaRPr lang="en-US"/>
+          </a:p>
+        </p:txBody>
+      </p:sp>
+      <p:sp>
+        <p:nvSpPr>
+          <p:cNvPr id="7" name="Rectangle 6"/>
+          <p:cNvSpPr/>
+          <p:nvPr/>
+        </p:nvSpPr>
+        <p:spPr>
+          <a:xfrm>
+            <a:off x="5580112" y="3287504"/>
+            <a:ext cx="2664296" cy="3168352"/>
+          </a:xfrm>
+          <a:prstGeom prst="rect">
+            <a:avLst/>
+          </a:prstGeom>
+        </p:spPr>
+        <p:style>
+          <a:lnRef idx="2">
+            <a:schemeClr val="accent1">
+              <a:shade val="50000"/>
+            </a:schemeClr>
+          </a:lnRef>
+          <a:fillRef idx="1">
+            <a:schemeClr val="accent1"/>
+          </a:fillRef>
+          <a:effectRef idx="0">
+            <a:schemeClr val="accent1"/>
+          </a:effectRef>
+          <a:fontRef idx="minor">
+            <a:schemeClr val="lt1"/>
+          </a:fontRef>
+        </p:style>
+        <p:txBody>
+          <a:bodyPr rtlCol="0" anchor="ctr"/>
+          <a:lstStyle/>
+          <a:p>
+            <a:pPr algn="ctr"/>
+            <a:endParaRPr lang="en-US"/>
+          </a:p>
+        </p:txBody>
+      </p:sp>
+      <p:sp>
+        <p:nvSpPr>
+          <p:cNvPr id="8" name="Rectangle 7"/>
+          <p:cNvSpPr/>
+          <p:nvPr/>
+        </p:nvSpPr>
+        <p:spPr>
+          <a:xfrm>
+            <a:off x="1547664" y="4077072"/>
+            <a:ext cx="1656184" cy="2016224"/>
+          </a:xfrm>
+          <a:prstGeom prst="rect">
+            <a:avLst/>
+          </a:prstGeom>
+        </p:spPr>
+        <p:style>
+          <a:lnRef idx="2">
+            <a:schemeClr val="accent1">
+              <a:shade val="50000"/>
+            </a:schemeClr>
+          </a:lnRef>
+          <a:fillRef idx="1">
+            <a:schemeClr val="accent1"/>
+          </a:fillRef>
+          <a:effectRef idx="0">
+            <a:schemeClr val="accent1"/>
+          </a:effectRef>
+          <a:fontRef idx="minor">
+            <a:schemeClr val="lt1"/>
+          </a:fontRef>
+        </p:style>
+        <p:txBody>
+          <a:bodyPr rtlCol="0" anchor="ctr"/>
+          <a:lstStyle/>
+          <a:p>
+            <a:pPr algn="ctr"/>
+            <a:endParaRPr lang="en-US"/>
+          </a:p>
+        </p:txBody>
+      </p:sp>
+      <p:sp>
+        <p:nvSpPr>
+          <p:cNvPr id="9" name="Rectangle 8"/>
+          <p:cNvSpPr/>
+          <p:nvPr/>
+        </p:nvSpPr>
+        <p:spPr>
+          <a:xfrm>
+            <a:off x="3635896" y="4077072"/>
+            <a:ext cx="1296144" cy="2016224"/>
+          </a:xfrm>
+          <a:prstGeom prst="rect">
+            <a:avLst/>
+          </a:prstGeom>
+        </p:spPr>
+        <p:style>
+          <a:lnRef idx="2">
+            <a:schemeClr val="accent1">
+              <a:shade val="50000"/>
+            </a:schemeClr>
+          </a:lnRef>
+          <a:fillRef idx="1">
+            <a:schemeClr val="accent1"/>
+          </a:fillRef>
+          <a:effectRef idx="0">
+            <a:schemeClr val="accent1"/>
+          </a:effectRef>
+          <a:fontRef idx="minor">
+            <a:schemeClr val="lt1"/>
+          </a:fontRef>
+        </p:style>
+        <p:txBody>
+          <a:bodyPr rtlCol="0" anchor="ctr"/>
+          <a:lstStyle/>
+          <a:p>
+            <a:pPr algn="ctr"/>
+            <a:endParaRPr lang="en-US"/>
+          </a:p>
+        </p:txBody>
+      </p:sp>
+      <p:sp>
+        <p:nvSpPr>
+          <p:cNvPr id="10" name="Rectangle 9"/>
+          <p:cNvSpPr/>
+          <p:nvPr/>
+        </p:nvSpPr>
+        <p:spPr>
+          <a:xfrm>
+            <a:off x="5796136" y="4149080"/>
+            <a:ext cx="1296144" cy="2016224"/>
+          </a:xfrm>
+          <a:prstGeom prst="rect">
+            <a:avLst/>
+          </a:prstGeom>
+        </p:spPr>
+        <p:style>
+          <a:lnRef idx="2">
+            <a:schemeClr val="accent1">
+              <a:shade val="50000"/>
+            </a:schemeClr>
+          </a:lnRef>
+          <a:fillRef idx="1">
+            <a:schemeClr val="accent1"/>
+          </a:fillRef>
+          <a:effectRef idx="0">
+            <a:schemeClr val="accent1"/>
+          </a:effectRef>
+          <a:fontRef idx="minor">
+            <a:schemeClr val="lt1"/>
+          </a:fontRef>
+        </p:style>
+        <p:txBody>
+          <a:bodyPr rtlCol="0" anchor="ctr"/>
+          <a:lstStyle/>
+          <a:p>
+            <a:pPr algn="ctr"/>
+            <a:endParaRPr lang="en-US"/>
+          </a:p>
+        </p:txBody>
+      </p:sp>
+      <p:sp>
+        <p:nvSpPr>
+          <p:cNvPr id="11" name="TextBox 10"/>
           <p:cNvSpPr txBox="1"/>
           <p:nvPr/>
         </p:nvSpPr>
         <p:spPr>
           <a:xfrm>
-            <a:off x="755576" y="2348880"/>
-            <a:ext cx="7416824" cy="1200329"/>
+            <a:off x="782070" y="2879473"/>
+            <a:ext cx="1531188" cy="369332"/>
           </a:xfrm>
           <a:prstGeom prst="rect">
             <a:avLst/>
@@ -3760,38 +4027,286 @@
           <a:noFill/>
         </p:spPr>
         <p:txBody>
+          <a:bodyPr wrap="none" rtlCol="0">
+            <a:spAutoFit/>
+          </a:bodyPr>
+          <a:lstStyle/>
+          <a:p>
+            <a:r>
+              <a:rPr lang="en-US" dirty="0" smtClean="0"/>
+              <a:t>Global scope</a:t>
+            </a:r>
+            <a:endParaRPr lang="en-US" dirty="0"/>
+          </a:p>
+        </p:txBody>
+      </p:sp>
+      <p:sp>
+        <p:nvSpPr>
+          <p:cNvPr id="12" name="TextBox 11"/>
+          <p:cNvSpPr txBox="1"/>
+          <p:nvPr/>
+        </p:nvSpPr>
+        <p:spPr>
+          <a:xfrm>
+            <a:off x="1780672" y="3501008"/>
+            <a:ext cx="1441420" cy="369332"/>
+          </a:xfrm>
+          <a:prstGeom prst="rect">
+            <a:avLst/>
+          </a:prstGeom>
+          <a:noFill/>
+        </p:spPr>
+        <p:txBody>
+          <a:bodyPr wrap="none" rtlCol="0">
+            <a:spAutoFit/>
+          </a:bodyPr>
+          <a:lstStyle/>
+          <a:p>
+            <a:r>
+              <a:rPr lang="en-US" dirty="0" smtClean="0"/>
+              <a:t>Class scope</a:t>
+            </a:r>
+            <a:endParaRPr lang="en-US" dirty="0"/>
+          </a:p>
+        </p:txBody>
+      </p:sp>
+      <p:sp>
+        <p:nvSpPr>
+          <p:cNvPr id="13" name="TextBox 12"/>
+          <p:cNvSpPr txBox="1"/>
+          <p:nvPr/>
+        </p:nvSpPr>
+        <p:spPr>
+          <a:xfrm>
+            <a:off x="5796136" y="3511685"/>
+            <a:ext cx="1441420" cy="369332"/>
+          </a:xfrm>
+          <a:prstGeom prst="rect">
+            <a:avLst/>
+          </a:prstGeom>
+          <a:noFill/>
+        </p:spPr>
+        <p:txBody>
+          <a:bodyPr wrap="none" rtlCol="0">
+            <a:spAutoFit/>
+          </a:bodyPr>
+          <a:lstStyle/>
+          <a:p>
+            <a:r>
+              <a:rPr lang="en-US" dirty="0" smtClean="0"/>
+              <a:t>Class scope</a:t>
+            </a:r>
+            <a:endParaRPr lang="en-US" dirty="0"/>
+          </a:p>
+        </p:txBody>
+      </p:sp>
+      <p:sp>
+        <p:nvSpPr>
+          <p:cNvPr id="14" name="TextBox 13"/>
+          <p:cNvSpPr txBox="1"/>
+          <p:nvPr/>
+        </p:nvSpPr>
+        <p:spPr>
+          <a:xfrm>
+            <a:off x="1547664" y="4077072"/>
+            <a:ext cx="1633781" cy="369332"/>
+          </a:xfrm>
+          <a:prstGeom prst="rect">
+            <a:avLst/>
+          </a:prstGeom>
+          <a:noFill/>
+        </p:spPr>
+        <p:txBody>
+          <a:bodyPr wrap="none" rtlCol="0">
+            <a:spAutoFit/>
+          </a:bodyPr>
+          <a:lstStyle/>
+          <a:p>
+            <a:r>
+              <a:rPr lang="en-US" dirty="0" smtClean="0"/>
+              <a:t>Method scope</a:t>
+            </a:r>
+            <a:endParaRPr lang="en-US" dirty="0"/>
+          </a:p>
+        </p:txBody>
+      </p:sp>
+      <p:sp>
+        <p:nvSpPr>
+          <p:cNvPr id="15" name="TextBox 14"/>
+          <p:cNvSpPr txBox="1"/>
+          <p:nvPr/>
+        </p:nvSpPr>
+        <p:spPr>
+          <a:xfrm>
+            <a:off x="3649305" y="4149080"/>
+            <a:ext cx="1140927" cy="646331"/>
+          </a:xfrm>
+          <a:prstGeom prst="rect">
+            <a:avLst/>
+          </a:prstGeom>
+          <a:noFill/>
+        </p:spPr>
+        <p:txBody>
           <a:bodyPr wrap="square" rtlCol="0">
             <a:spAutoFit/>
           </a:bodyPr>
           <a:lstStyle/>
           <a:p>
             <a:r>
-              <a:rPr lang="ru-RU" sz="7200" dirty="0" smtClean="0">
-                <a:solidFill>
-                  <a:srgbClr val="FF0000"/>
-                </a:solidFill>
-                <a:effectLst>
-                  <a:outerShdw blurRad="38100" dist="38100" dir="2700000" algn="tl">
-                    <a:srgbClr val="000000">
-                      <a:alpha val="43137"/>
-                    </a:srgbClr>
-                  </a:outerShdw>
-                </a:effectLst>
-              </a:rPr>
-              <a:t>ДИАГРАММА</a:t>
-            </a:r>
-            <a:endParaRPr lang="en-US" sz="7200" dirty="0">
-              <a:solidFill>
-                <a:srgbClr val="FF0000"/>
-              </a:solidFill>
-              <a:effectLst>
-                <a:outerShdw blurRad="38100" dist="38100" dir="2700000" algn="tl">
-                  <a:srgbClr val="000000">
-                    <a:alpha val="43137"/>
-                  </a:srgbClr>
-                </a:outerShdw>
-              </a:effectLst>
-            </a:endParaRPr>
+              <a:rPr lang="en-US" dirty="0" smtClean="0"/>
+              <a:t>Method scope</a:t>
+            </a:r>
+            <a:endParaRPr lang="en-US" dirty="0"/>
+          </a:p>
+        </p:txBody>
+      </p:sp>
+      <p:sp>
+        <p:nvSpPr>
+          <p:cNvPr id="16" name="TextBox 15"/>
+          <p:cNvSpPr txBox="1"/>
+          <p:nvPr/>
+        </p:nvSpPr>
+        <p:spPr>
+          <a:xfrm>
+            <a:off x="5873744" y="4225349"/>
+            <a:ext cx="1140927" cy="646331"/>
+          </a:xfrm>
+          <a:prstGeom prst="rect">
+            <a:avLst/>
+          </a:prstGeom>
+          <a:noFill/>
+        </p:spPr>
+        <p:txBody>
+          <a:bodyPr wrap="square" rtlCol="0">
+            <a:spAutoFit/>
+          </a:bodyPr>
+          <a:lstStyle/>
+          <a:p>
+            <a:r>
+              <a:rPr lang="en-US" dirty="0" smtClean="0"/>
+              <a:t>Method scope</a:t>
+            </a:r>
+            <a:endParaRPr lang="en-US" dirty="0"/>
+          </a:p>
+        </p:txBody>
+      </p:sp>
+      <p:sp>
+        <p:nvSpPr>
+          <p:cNvPr id="17" name="Rectangle 16"/>
+          <p:cNvSpPr/>
+          <p:nvPr/>
+        </p:nvSpPr>
+        <p:spPr>
+          <a:xfrm>
+            <a:off x="1665186" y="5445224"/>
+            <a:ext cx="1394646" cy="460034"/>
+          </a:xfrm>
+          <a:prstGeom prst="rect">
+            <a:avLst/>
+          </a:prstGeom>
+        </p:spPr>
+        <p:style>
+          <a:lnRef idx="2">
+            <a:schemeClr val="accent1">
+              <a:shade val="50000"/>
+            </a:schemeClr>
+          </a:lnRef>
+          <a:fillRef idx="1">
+            <a:schemeClr val="accent1"/>
+          </a:fillRef>
+          <a:effectRef idx="0">
+            <a:schemeClr val="accent1"/>
+          </a:effectRef>
+          <a:fontRef idx="minor">
+            <a:schemeClr val="lt1"/>
+          </a:fontRef>
+        </p:style>
+        <p:txBody>
+          <a:bodyPr rtlCol="0" anchor="ctr"/>
+          <a:lstStyle/>
+          <a:p>
+            <a:pPr algn="ctr"/>
+            <a:endParaRPr lang="en-US"/>
+          </a:p>
+        </p:txBody>
+      </p:sp>
+      <p:sp>
+        <p:nvSpPr>
+          <p:cNvPr id="18" name="Rectangle 17"/>
+          <p:cNvSpPr/>
+          <p:nvPr/>
+        </p:nvSpPr>
+        <p:spPr>
+          <a:xfrm>
+            <a:off x="1678433" y="4795411"/>
+            <a:ext cx="1394646" cy="460034"/>
+          </a:xfrm>
+          <a:prstGeom prst="rect">
+            <a:avLst/>
+          </a:prstGeom>
+        </p:spPr>
+        <p:style>
+          <a:lnRef idx="2">
+            <a:schemeClr val="accent1">
+              <a:shade val="50000"/>
+            </a:schemeClr>
+          </a:lnRef>
+          <a:fillRef idx="1">
+            <a:schemeClr val="accent1"/>
+          </a:fillRef>
+          <a:effectRef idx="0">
+            <a:schemeClr val="accent1"/>
+          </a:effectRef>
+          <a:fontRef idx="minor">
+            <a:schemeClr val="lt1"/>
+          </a:fontRef>
+        </p:style>
+        <p:txBody>
+          <a:bodyPr rtlCol="0" anchor="ctr"/>
+          <a:lstStyle/>
+          <a:p>
+            <a:pPr algn="ctr"/>
+            <a:endParaRPr lang="en-US"/>
+          </a:p>
+        </p:txBody>
+      </p:sp>
+      <p:sp>
+        <p:nvSpPr>
+          <p:cNvPr id="19" name="Rectangle 18"/>
+          <p:cNvSpPr/>
+          <p:nvPr/>
+        </p:nvSpPr>
+        <p:spPr>
+          <a:xfrm>
+            <a:off x="1700987" y="4795411"/>
+            <a:ext cx="1394646" cy="460034"/>
+          </a:xfrm>
+          <a:prstGeom prst="rect">
+            <a:avLst/>
+          </a:prstGeom>
+        </p:spPr>
+        <p:style>
+          <a:lnRef idx="2">
+            <a:schemeClr val="accent1">
+              <a:shade val="50000"/>
+            </a:schemeClr>
+          </a:lnRef>
+          <a:fillRef idx="1">
+            <a:schemeClr val="accent1"/>
+          </a:fillRef>
+          <a:effectRef idx="0">
+            <a:schemeClr val="accent1"/>
+          </a:effectRef>
+          <a:fontRef idx="minor">
+            <a:schemeClr val="lt1"/>
+          </a:fontRef>
+        </p:style>
+        <p:txBody>
+          <a:bodyPr rtlCol="0" anchor="ctr"/>
+          <a:lstStyle/>
+          <a:p>
+            <a:pPr algn="ctr"/>
+            <a:endParaRPr lang="en-US"/>
           </a:p>
         </p:txBody>
       </p:sp>
@@ -6714,11 +7229,7 @@
             <a:pPr algn="ctr"/>
             <a:r>
               <a:rPr lang="ru-RU" dirty="0" smtClean="0"/>
-              <a:t>Генерация </a:t>
-            </a:r>
-            <a:r>
-              <a:rPr lang="ru-RU" dirty="0" smtClean="0"/>
-              <a:t>кода</a:t>
+              <a:t>Генерация кода</a:t>
             </a:r>
             <a:endParaRPr lang="en-US" dirty="0"/>
           </a:p>
@@ -7111,64 +7622,70 @@
           <a:p>
             <a:r>
               <a:rPr lang="ru-RU" dirty="0" smtClean="0"/>
-              <a:t>Структура компилятора(подробно)</a:t>
+              <a:t>Структура </a:t>
+            </a:r>
+            <a:r>
+              <a:rPr lang="ru-RU" dirty="0" smtClean="0"/>
+              <a:t>компилятора</a:t>
             </a:r>
             <a:endParaRPr lang="en-US" dirty="0"/>
           </a:p>
         </p:txBody>
       </p:sp>
-      <p:sp>
-        <p:nvSpPr>
-          <p:cNvPr id="4" name="TextBox 3"/>
-          <p:cNvSpPr txBox="1"/>
+      <p:pic>
+        <p:nvPicPr>
+          <p:cNvPr id="1026" name="Picture 2"/>
+          <p:cNvPicPr>
+            <a:picLocks noChangeAspect="1" noChangeArrowheads="1"/>
+          </p:cNvPicPr>
           <p:nvPr/>
-        </p:nvSpPr>
-        <p:spPr>
+        </p:nvPicPr>
+        <p:blipFill>
+          <a:blip r:embed="rId2">
+            <a:extLst>
+              <a:ext uri="{28A0092B-C50C-407E-A947-70E740481C1C}">
+                <a14:useLocalDpi xmlns:a14="http://schemas.microsoft.com/office/drawing/2010/main" val="0"/>
+              </a:ext>
+            </a:extLst>
+          </a:blip>
+          <a:srcRect/>
+          <a:stretch>
+            <a:fillRect/>
+          </a:stretch>
+        </p:blipFill>
+        <p:spPr bwMode="auto">
           <a:xfrm>
-            <a:off x="755576" y="2348880"/>
-            <a:ext cx="7416824" cy="1200329"/>
+            <a:off x="619125" y="1484784"/>
+            <a:ext cx="7905750" cy="5373216"/>
           </a:xfrm>
           <a:prstGeom prst="rect">
             <a:avLst/>
           </a:prstGeom>
           <a:noFill/>
+          <a:ln>
+            <a:noFill/>
+          </a:ln>
+          <a:extLst>
+            <a:ext uri="{909E8E84-426E-40DD-AFC4-6F175D3DCCD1}">
+              <a14:hiddenFill xmlns:a14="http://schemas.microsoft.com/office/drawing/2010/main">
+                <a:solidFill>
+                  <a:schemeClr val="accent1"/>
+                </a:solidFill>
+              </a14:hiddenFill>
+            </a:ext>
+            <a:ext uri="{91240B29-F687-4F45-9708-019B960494DF}">
+              <a14:hiddenLine xmlns:a14="http://schemas.microsoft.com/office/drawing/2010/main" w="9525">
+                <a:solidFill>
+                  <a:schemeClr val="tx1"/>
+                </a:solidFill>
+                <a:miter lim="800000"/>
+                <a:headEnd/>
+                <a:tailEnd/>
+              </a14:hiddenLine>
+            </a:ext>
+          </a:extLst>
         </p:spPr>
-        <p:txBody>
-          <a:bodyPr wrap="square" rtlCol="0">
-            <a:spAutoFit/>
-          </a:bodyPr>
-          <a:lstStyle/>
-          <a:p>
-            <a:r>
-              <a:rPr lang="ru-RU" sz="7200" dirty="0" smtClean="0">
-                <a:solidFill>
-                  <a:srgbClr val="FF0000"/>
-                </a:solidFill>
-                <a:effectLst>
-                  <a:outerShdw blurRad="38100" dist="38100" dir="2700000" algn="tl">
-                    <a:srgbClr val="000000">
-                      <a:alpha val="43137"/>
-                    </a:srgbClr>
-                  </a:outerShdw>
-                </a:effectLst>
-              </a:rPr>
-              <a:t>ДИАГРАММА</a:t>
-            </a:r>
-            <a:endParaRPr lang="en-US" sz="7200" dirty="0">
-              <a:solidFill>
-                <a:srgbClr val="FF0000"/>
-              </a:solidFill>
-              <a:effectLst>
-                <a:outerShdw blurRad="38100" dist="38100" dir="2700000" algn="tl">
-                  <a:srgbClr val="000000">
-                    <a:alpha val="43137"/>
-                  </a:srgbClr>
-                </a:outerShdw>
-              </a:effectLst>
-            </a:endParaRPr>
-          </a:p>
-        </p:txBody>
-      </p:sp>
+      </p:pic>
     </p:spTree>
     <p:extLst>
       <p:ext uri="{BB962C8B-B14F-4D97-AF65-F5344CB8AC3E}">
@@ -7183,111 +7700,6 @@
 </file>
 
 <file path=ppt/slides/slide6.xml><?xml version="1.0" encoding="utf-8"?>
-<p:sld xmlns:a="http://schemas.openxmlformats.org/drawingml/2006/main" xmlns:r="http://schemas.openxmlformats.org/officeDocument/2006/relationships" xmlns:p="http://schemas.openxmlformats.org/presentationml/2006/main">
-  <p:cSld>
-    <p:spTree>
-      <p:nvGrpSpPr>
-        <p:cNvPr id="1" name=""/>
-        <p:cNvGrpSpPr/>
-        <p:nvPr/>
-      </p:nvGrpSpPr>
-      <p:grpSpPr>
-        <a:xfrm>
-          <a:off x="0" y="0"/>
-          <a:ext cx="0" cy="0"/>
-          <a:chOff x="0" y="0"/>
-          <a:chExt cx="0" cy="0"/>
-        </a:xfrm>
-      </p:grpSpPr>
-      <p:sp>
-        <p:nvSpPr>
-          <p:cNvPr id="2" name="Title 1"/>
-          <p:cNvSpPr>
-            <a:spLocks noGrp="1"/>
-          </p:cNvSpPr>
-          <p:nvPr>
-            <p:ph type="title"/>
-          </p:nvPr>
-        </p:nvSpPr>
-        <p:spPr/>
-        <p:txBody>
-          <a:bodyPr/>
-          <a:lstStyle/>
-          <a:p>
-            <a:r>
-              <a:rPr lang="ru-RU" dirty="0"/>
-              <a:t>Структура компилятора(подробно)</a:t>
-            </a:r>
-            <a:endParaRPr lang="en-US" dirty="0"/>
-          </a:p>
-        </p:txBody>
-      </p:sp>
-      <p:sp>
-        <p:nvSpPr>
-          <p:cNvPr id="5" name="TextBox 4"/>
-          <p:cNvSpPr txBox="1"/>
-          <p:nvPr/>
-        </p:nvSpPr>
-        <p:spPr>
-          <a:xfrm>
-            <a:off x="755576" y="2348880"/>
-            <a:ext cx="7416824" cy="1200329"/>
-          </a:xfrm>
-          <a:prstGeom prst="rect">
-            <a:avLst/>
-          </a:prstGeom>
-          <a:noFill/>
-        </p:spPr>
-        <p:txBody>
-          <a:bodyPr wrap="square" rtlCol="0">
-            <a:spAutoFit/>
-          </a:bodyPr>
-          <a:lstStyle/>
-          <a:p>
-            <a:r>
-              <a:rPr lang="ru-RU" sz="7200" dirty="0" smtClean="0">
-                <a:solidFill>
-                  <a:srgbClr val="FF0000"/>
-                </a:solidFill>
-                <a:effectLst>
-                  <a:outerShdw blurRad="38100" dist="38100" dir="2700000" algn="tl">
-                    <a:srgbClr val="000000">
-                      <a:alpha val="43137"/>
-                    </a:srgbClr>
-                  </a:outerShdw>
-                </a:effectLst>
-              </a:rPr>
-              <a:t>ДИАГРАММА</a:t>
-            </a:r>
-            <a:endParaRPr lang="en-US" sz="7200" dirty="0">
-              <a:solidFill>
-                <a:srgbClr val="FF0000"/>
-              </a:solidFill>
-              <a:effectLst>
-                <a:outerShdw blurRad="38100" dist="38100" dir="2700000" algn="tl">
-                  <a:srgbClr val="000000">
-                    <a:alpha val="43137"/>
-                  </a:srgbClr>
-                </a:outerShdw>
-              </a:effectLst>
-            </a:endParaRPr>
-          </a:p>
-        </p:txBody>
-      </p:sp>
-    </p:spTree>
-    <p:extLst>
-      <p:ext uri="{BB962C8B-B14F-4D97-AF65-F5344CB8AC3E}">
-        <p14:creationId xmlns:p14="http://schemas.microsoft.com/office/powerpoint/2010/main" val="4188453773"/>
-      </p:ext>
-    </p:extLst>
-  </p:cSld>
-  <p:clrMapOvr>
-    <a:masterClrMapping/>
-  </p:clrMapOvr>
-</p:sld>
-</file>
-
-<file path=ppt/slides/slide7.xml><?xml version="1.0" encoding="utf-8"?>
 <p:sld xmlns:a="http://schemas.openxmlformats.org/drawingml/2006/main" xmlns:r="http://schemas.openxmlformats.org/officeDocument/2006/relationships" xmlns:p="http://schemas.openxmlformats.org/presentationml/2006/main">
   <p:cSld>
     <p:spTree>
@@ -7457,6 +7869,127 @@
   <p:clrMapOvr>
     <a:masterClrMapping/>
   </p:clrMapOvr>
+  <p:timing>
+    <p:tnLst>
+      <p:par>
+        <p:cTn id="1" dur="indefinite" restart="never" nodeType="tmRoot"/>
+      </p:par>
+    </p:tnLst>
+  </p:timing>
+</p:sld>
+</file>
+
+<file path=ppt/slides/slide7.xml><?xml version="1.0" encoding="utf-8"?>
+<p:sld xmlns:a="http://schemas.openxmlformats.org/drawingml/2006/main" xmlns:r="http://schemas.openxmlformats.org/officeDocument/2006/relationships" xmlns:p="http://schemas.openxmlformats.org/presentationml/2006/main">
+  <p:cSld>
+    <p:spTree>
+      <p:nvGrpSpPr>
+        <p:cNvPr id="1" name=""/>
+        <p:cNvGrpSpPr/>
+        <p:nvPr/>
+      </p:nvGrpSpPr>
+      <p:grpSpPr>
+        <a:xfrm>
+          <a:off x="0" y="0"/>
+          <a:ext cx="0" cy="0"/>
+          <a:chOff x="0" y="0"/>
+          <a:chExt cx="0" cy="0"/>
+        </a:xfrm>
+      </p:grpSpPr>
+      <p:sp>
+        <p:nvSpPr>
+          <p:cNvPr id="2" name="Title 1"/>
+          <p:cNvSpPr>
+            <a:spLocks noGrp="1"/>
+          </p:cNvSpPr>
+          <p:nvPr>
+            <p:ph type="title"/>
+          </p:nvPr>
+        </p:nvSpPr>
+        <p:spPr/>
+        <p:txBody>
+          <a:bodyPr/>
+          <a:lstStyle/>
+          <a:p>
+            <a:r>
+              <a:rPr lang="en-US" dirty="0" smtClean="0"/>
+              <a:t>Abstract Syntax Tree</a:t>
+            </a:r>
+            <a:endParaRPr lang="en-US" dirty="0"/>
+          </a:p>
+        </p:txBody>
+      </p:sp>
+      <p:pic>
+        <p:nvPicPr>
+          <p:cNvPr id="2050" name="Picture 2"/>
+          <p:cNvPicPr>
+            <a:picLocks noChangeAspect="1" noChangeArrowheads="1"/>
+          </p:cNvPicPr>
+          <p:nvPr/>
+        </p:nvPicPr>
+        <p:blipFill>
+          <a:blip r:embed="rId2">
+            <a:extLst>
+              <a:ext uri="{28A0092B-C50C-407E-A947-70E740481C1C}">
+                <a14:useLocalDpi xmlns:a14="http://schemas.microsoft.com/office/drawing/2010/main" val="0"/>
+              </a:ext>
+            </a:extLst>
+          </a:blip>
+          <a:srcRect/>
+          <a:stretch>
+            <a:fillRect/>
+          </a:stretch>
+        </p:blipFill>
+        <p:spPr bwMode="auto">
+          <a:xfrm>
+            <a:off x="-2412776" y="1855196"/>
+            <a:ext cx="14120936" cy="4454124"/>
+          </a:xfrm>
+          <a:prstGeom prst="rect">
+            <a:avLst/>
+          </a:prstGeom>
+          <a:noFill/>
+          <a:ln>
+            <a:noFill/>
+          </a:ln>
+          <a:extLst>
+            <a:ext uri="{909E8E84-426E-40DD-AFC4-6F175D3DCCD1}">
+              <a14:hiddenFill xmlns:a14="http://schemas.microsoft.com/office/drawing/2010/main">
+                <a:solidFill>
+                  <a:schemeClr val="accent1"/>
+                </a:solidFill>
+              </a14:hiddenFill>
+            </a:ext>
+            <a:ext uri="{91240B29-F687-4F45-9708-019B960494DF}">
+              <a14:hiddenLine xmlns:a14="http://schemas.microsoft.com/office/drawing/2010/main" w="9525">
+                <a:solidFill>
+                  <a:schemeClr val="tx1"/>
+                </a:solidFill>
+                <a:miter lim="800000"/>
+                <a:headEnd/>
+                <a:tailEnd/>
+              </a14:hiddenLine>
+            </a:ext>
+          </a:extLst>
+        </p:spPr>
+      </p:pic>
+    </p:spTree>
+    <p:extLst>
+      <p:ext uri="{BB962C8B-B14F-4D97-AF65-F5344CB8AC3E}">
+        <p14:creationId xmlns:p14="http://schemas.microsoft.com/office/powerpoint/2010/main" val="4188453773"/>
+      </p:ext>
+    </p:extLst>
+  </p:cSld>
+  <p:clrMapOvr>
+    <a:masterClrMapping/>
+  </p:clrMapOvr>
+  <p:timing>
+    <p:tnLst>
+      <p:par>
+        <p:cTn id="1" dur="indefinite" restart="never" nodeType="tmRoot"/>
+      </p:par>
+    </p:tnLst>
+  </p:timing>
 </p:sld>
 </file>
 
@@ -7589,6 +8122,13 @@
   <p:clrMapOvr>
     <a:masterClrMapping/>
   </p:clrMapOvr>
+  <p:timing>
+    <p:tnLst>
+      <p:par>
+        <p:cTn id="1" dur="indefinite" restart="never" nodeType="tmRoot"/>
+      </p:par>
+    </p:tnLst>
+  </p:timing>
 </p:sld>
 </file>
 
@@ -7707,6 +8247,13 @@
   <p:clrMapOvr>
     <a:masterClrMapping/>
   </p:clrMapOvr>
+  <p:timing>
+    <p:tnLst>
+      <p:par>
+        <p:cTn id="1" dur="indefinite" restart="never" nodeType="tmRoot"/>
+      </p:par>
+    </p:tnLst>
+  </p:timing>
 </p:sld>
 </file>
 
